--- a/MiniProject1/MiniProject1_Presentation.pptx
+++ b/MiniProject1/MiniProject1_Presentation.pptx
@@ -4723,15 +4723,13 @@
             <a:lnSpc>
               <a:spcPct val="100000"/>
             </a:lnSpc>
+            <a:buNone/>
           </a:pPr>
-          <a:r>
-            <a:rPr lang="en-US" dirty="0">
-              <a:solidFill>
-                <a:schemeClr val="bg1"/>
-              </a:solidFill>
-            </a:rPr>
-            <a:t>As driver experience increases, insurance premiums tend to decrease.</a:t>
-          </a:r>
+          <a:endParaRPr lang="en-US" dirty="0">
+            <a:solidFill>
+              <a:schemeClr val="bg1"/>
+            </a:solidFill>
+          </a:endParaRPr>
         </a:p>
       </dgm:t>
     </dgm:pt>
@@ -4764,13 +4762,57 @@
         <a:bodyPr/>
         <a:lstStyle/>
         <a:p>
+          <a:pPr>
+            <a:buFont typeface="Wingdings" panose="05000000000000000000" pitchFamily="2" charset="2"/>
+            <a:buChar char="Ø"/>
+          </a:pPr>
+          <a:r>
+            <a:rPr lang="en-AU" dirty="0">
+              <a:solidFill>
+                <a:schemeClr val="bg1"/>
+              </a:solidFill>
+            </a:rPr>
+            <a:t> Our </a:t>
+          </a:r>
+          <a:r>
+            <a:rPr lang="en-AU" b="1" dirty="0">
+              <a:solidFill>
+                <a:schemeClr val="bg1"/>
+              </a:solidFill>
+            </a:rPr>
+            <a:t>linear regression model</a:t>
+          </a:r>
+          <a:r>
+            <a:rPr lang="en-AU" dirty="0">
+              <a:solidFill>
+                <a:schemeClr val="bg1"/>
+              </a:solidFill>
+            </a:rPr>
+            <a:t> </a:t>
+          </a:r>
           <a:r>
             <a:rPr lang="en-US" dirty="0">
               <a:solidFill>
                 <a:schemeClr val="bg1"/>
               </a:solidFill>
             </a:rPr>
-            <a:t>The model provides a good starting point for predicting insurance premiums based on driver experience.</a:t>
+            <a:t>provides a </a:t>
+          </a:r>
+          <a:r>
+            <a:rPr lang="en-AU" dirty="0">
+              <a:solidFill>
+                <a:schemeClr val="bg1"/>
+              </a:solidFill>
+            </a:rPr>
+            <a:t>solid baseline </a:t>
+          </a:r>
+          <a:r>
+            <a:rPr lang="en-US" dirty="0">
+              <a:solidFill>
+                <a:schemeClr val="bg1"/>
+              </a:solidFill>
+            </a:rPr>
+            <a:t>point for predicting insurance premiums based on driver experience.</a:t>
           </a:r>
         </a:p>
       </dgm:t>
@@ -4859,6 +4901,8 @@
             <a:lnSpc>
               <a:spcPct val="100000"/>
             </a:lnSpc>
+            <a:buFont typeface="Wingdings" panose="05000000000000000000" pitchFamily="2" charset="2"/>
+            <a:buChar char="Ø"/>
           </a:pPr>
           <a:r>
             <a:rPr lang="en-US" dirty="0">
@@ -4866,8 +4910,53 @@
                 <a:schemeClr val="bg1"/>
               </a:solidFill>
             </a:rPr>
-            <a:t>This model can help insurance companies set more accurate, fair premiums for drivers based on experience.</a:t>
+            <a:t> </a:t>
           </a:r>
+          <a:r>
+            <a:rPr lang="en-AU" dirty="0">
+              <a:solidFill>
+                <a:schemeClr val="bg1"/>
+              </a:solidFill>
+            </a:rPr>
+            <a:t>This model can support </a:t>
+          </a:r>
+          <a:r>
+            <a:rPr lang="en-AU" b="1" dirty="0">
+              <a:solidFill>
+                <a:schemeClr val="bg1"/>
+              </a:solidFill>
+            </a:rPr>
+            <a:t>insurance companies</a:t>
+          </a:r>
+          <a:r>
+            <a:rPr lang="en-AU" dirty="0">
+              <a:solidFill>
+                <a:schemeClr val="bg1"/>
+              </a:solidFill>
+            </a:rPr>
+            <a:t> in setting </a:t>
+          </a:r>
+          <a:r>
+            <a:rPr lang="en-AU" b="1" dirty="0">
+              <a:solidFill>
+                <a:schemeClr val="bg1"/>
+              </a:solidFill>
+            </a:rPr>
+            <a:t>more accurate and fair premiums</a:t>
+          </a:r>
+          <a:r>
+            <a:rPr lang="en-AU" dirty="0">
+              <a:solidFill>
+                <a:schemeClr val="bg1"/>
+              </a:solidFill>
+            </a:rPr>
+            <a:t>, especially for experienced drivers.</a:t>
+          </a:r>
+          <a:endParaRPr lang="en-US" dirty="0">
+            <a:solidFill>
+              <a:schemeClr val="bg1"/>
+            </a:solidFill>
+          </a:endParaRPr>
         </a:p>
       </dgm:t>
     </dgm:pt>
@@ -4893,7 +4982,152 @@
         </a:p>
       </dgm:t>
     </dgm:pt>
-    <dgm:pt modelId="{C1B5DB7F-7862-40C4-9C7F-0799211CC47F}">
+    <dgm:pt modelId="{C8F6A76E-8F3D-4CC9-825E-019442EC3CDA}">
+      <dgm:prSet/>
+      <dgm:spPr/>
+      <dgm:t>
+        <a:bodyPr/>
+        <a:lstStyle/>
+        <a:p>
+          <a:pPr>
+            <a:buFont typeface="Wingdings" panose="05000000000000000000" pitchFamily="2" charset="2"/>
+            <a:buChar char="Ø"/>
+          </a:pPr>
+          <a:r>
+            <a:rPr lang="en-US" dirty="0">
+              <a:solidFill>
+                <a:schemeClr val="bg1"/>
+              </a:solidFill>
+            </a:rPr>
+            <a:t> </a:t>
+          </a:r>
+          <a:r>
+            <a:rPr lang="en-US" b="1" dirty="0">
+              <a:solidFill>
+                <a:schemeClr val="bg1"/>
+              </a:solidFill>
+            </a:rPr>
+            <a:t>S</a:t>
+          </a:r>
+          <a:r>
+            <a:rPr lang="en-AU" b="1" dirty="0" err="1">
+              <a:solidFill>
+                <a:schemeClr val="bg1"/>
+              </a:solidFill>
+            </a:rPr>
+            <a:t>trong</a:t>
+          </a:r>
+          <a:r>
+            <a:rPr lang="en-AU" b="1" dirty="0">
+              <a:solidFill>
+                <a:schemeClr val="bg1"/>
+              </a:solidFill>
+            </a:rPr>
+            <a:t> negative relationship</a:t>
+          </a:r>
+          <a:r>
+            <a:rPr lang="en-AU" dirty="0">
+              <a:solidFill>
+                <a:schemeClr val="bg1"/>
+              </a:solidFill>
+            </a:rPr>
+            <a:t> between </a:t>
+          </a:r>
+          <a:r>
+            <a:rPr lang="en-AU" b="1" dirty="0">
+              <a:solidFill>
+                <a:schemeClr val="bg1"/>
+              </a:solidFill>
+            </a:rPr>
+            <a:t>driver experience</a:t>
+          </a:r>
+          <a:r>
+            <a:rPr lang="en-AU" dirty="0">
+              <a:solidFill>
+                <a:schemeClr val="bg1"/>
+              </a:solidFill>
+            </a:rPr>
+            <a:t> and </a:t>
+          </a:r>
+          <a:r>
+            <a:rPr lang="en-AU" b="1" dirty="0">
+              <a:solidFill>
+                <a:schemeClr val="bg1"/>
+              </a:solidFill>
+            </a:rPr>
+            <a:t>insurance premiums -</a:t>
+          </a:r>
+          <a:r>
+            <a:rPr lang="en-US" dirty="0">
+              <a:solidFill>
+                <a:schemeClr val="bg1"/>
+              </a:solidFill>
+            </a:rPr>
+            <a:t> driver experience increases, insurance premiums tend to decrease</a:t>
+          </a:r>
+        </a:p>
+      </dgm:t>
+    </dgm:pt>
+    <dgm:pt modelId="{0FDCC05F-F90E-460F-9DEC-045453053232}" type="sibTrans" cxnId="{CF6724E6-23DE-45D0-B692-146ED4023EF4}">
+      <dgm:prSet/>
+      <dgm:spPr/>
+      <dgm:t>
+        <a:bodyPr/>
+        <a:lstStyle/>
+        <a:p>
+          <a:endParaRPr lang="en-AU"/>
+        </a:p>
+      </dgm:t>
+    </dgm:pt>
+    <dgm:pt modelId="{F2116B40-7161-4452-8C5E-F010C14436CC}" type="parTrans" cxnId="{CF6724E6-23DE-45D0-B692-146ED4023EF4}">
+      <dgm:prSet/>
+      <dgm:spPr/>
+      <dgm:t>
+        <a:bodyPr/>
+        <a:lstStyle/>
+        <a:p>
+          <a:endParaRPr lang="en-AU"/>
+        </a:p>
+      </dgm:t>
+    </dgm:pt>
+    <dgm:pt modelId="{2D0E8F34-1CDE-43CB-951E-09BCD4BDDC7C}">
+      <dgm:prSet/>
+      <dgm:spPr/>
+      <dgm:t>
+        <a:bodyPr/>
+        <a:lstStyle/>
+        <a:p>
+          <a:endParaRPr lang="en-US" dirty="0">
+            <a:solidFill>
+              <a:schemeClr val="bg1"/>
+            </a:solidFill>
+          </a:endParaRPr>
+        </a:p>
+      </dgm:t>
+    </dgm:pt>
+    <dgm:pt modelId="{E67DC512-0872-4DE3-9AEA-9379B0CA5BE7}" type="parTrans" cxnId="{C8B02939-5E8D-4C2C-850F-8BCC623D2D36}">
+      <dgm:prSet/>
+      <dgm:spPr/>
+      <dgm:t>
+        <a:bodyPr/>
+        <a:lstStyle/>
+        <a:p>
+          <a:endParaRPr lang="en-AU"/>
+        </a:p>
+      </dgm:t>
+    </dgm:pt>
+    <dgm:pt modelId="{9AA24277-37A0-4C25-BDAA-9C8CA0ACF9FA}" type="sibTrans" cxnId="{C8B02939-5E8D-4C2C-850F-8BCC623D2D36}">
+      <dgm:prSet/>
+      <dgm:spPr/>
+      <dgm:t>
+        <a:bodyPr/>
+        <a:lstStyle/>
+        <a:p>
+          <a:endParaRPr lang="en-AU"/>
+        </a:p>
+      </dgm:t>
+    </dgm:pt>
+    <dgm:pt modelId="{07756B08-CDE7-45E3-9D04-E6514BAFE422}">
       <dgm:prSet/>
       <dgm:spPr/>
       <dgm:t>
@@ -4904,37 +5138,150 @@
             <a:lnSpc>
               <a:spcPct val="100000"/>
             </a:lnSpc>
+            <a:buNone/>
           </a:pPr>
           <a:r>
-            <a:rPr lang="en-US" dirty="0">
+            <a:rPr lang="en-AU" dirty="0">
               <a:solidFill>
                 <a:schemeClr val="bg1"/>
               </a:solidFill>
             </a:rPr>
-            <a:t>Better pricing strategies could lead to increased customer satisfaction and more competitive pricing.</a:t>
+            <a:t>By integrating this model into pricing strategies, companies can:</a:t>
           </a:r>
         </a:p>
       </dgm:t>
     </dgm:pt>
-    <dgm:pt modelId="{979524CC-6582-4F26-8B6F-65060A1B75CC}" type="parTrans" cxnId="{6CA0BC3E-DCE4-4994-A7F7-C71F4ECF357D}">
+    <dgm:pt modelId="{EE30462D-2B5E-4AE9-84B0-B0AF08C86844}" type="parTrans" cxnId="{57045607-CBC9-422C-BD22-099A5C8D85DC}">
       <dgm:prSet/>
       <dgm:spPr/>
       <dgm:t>
         <a:bodyPr/>
         <a:lstStyle/>
         <a:p>
-          <a:endParaRPr lang="en-US"/>
+          <a:endParaRPr lang="en-AU"/>
         </a:p>
       </dgm:t>
     </dgm:pt>
-    <dgm:pt modelId="{88A4C95F-1EAF-4215-A5CC-032EB903F9CF}" type="sibTrans" cxnId="{6CA0BC3E-DCE4-4994-A7F7-C71F4ECF357D}">
+    <dgm:pt modelId="{A153A41E-D72A-4179-8FE1-BCA0FA625C35}" type="sibTrans" cxnId="{57045607-CBC9-422C-BD22-099A5C8D85DC}">
       <dgm:prSet/>
       <dgm:spPr/>
       <dgm:t>
         <a:bodyPr/>
         <a:lstStyle/>
         <a:p>
-          <a:endParaRPr lang="en-US"/>
+          <a:endParaRPr lang="en-AU"/>
+        </a:p>
+      </dgm:t>
+    </dgm:pt>
+    <dgm:pt modelId="{29C85CE4-E2BC-4DB3-BB7D-EE892B4B2A19}">
+      <dgm:prSet/>
+      <dgm:spPr/>
+      <dgm:t>
+        <a:bodyPr/>
+        <a:lstStyle/>
+        <a:p>
+          <a:pPr>
+            <a:buFont typeface="Wingdings" panose="05000000000000000000" pitchFamily="2" charset="2"/>
+            <a:buChar char="Ø"/>
+          </a:pPr>
+          <a:r>
+            <a:rPr lang="en-AU" b="1" dirty="0">
+              <a:solidFill>
+                <a:schemeClr val="bg1"/>
+              </a:solidFill>
+            </a:rPr>
+            <a:t>Improve customer satisfaction</a:t>
+          </a:r>
+          <a:r>
+            <a:rPr lang="en-AU" dirty="0">
+              <a:solidFill>
+                <a:schemeClr val="bg1"/>
+              </a:solidFill>
+            </a:rPr>
+            <a:t> by offering premiums that reflect actual risk</a:t>
+          </a:r>
+        </a:p>
+      </dgm:t>
+    </dgm:pt>
+    <dgm:pt modelId="{3611C155-73C4-4FCA-918D-CAFA4E8907EA}" type="parTrans" cxnId="{C9BE2C0B-68D1-4034-A294-2680369600C6}">
+      <dgm:prSet/>
+      <dgm:spPr/>
+      <dgm:t>
+        <a:bodyPr/>
+        <a:lstStyle/>
+        <a:p>
+          <a:endParaRPr lang="en-AU"/>
+        </a:p>
+      </dgm:t>
+    </dgm:pt>
+    <dgm:pt modelId="{8961733A-23D9-438C-9E89-4B852B9ED0F1}" type="sibTrans" cxnId="{C9BE2C0B-68D1-4034-A294-2680369600C6}">
+      <dgm:prSet/>
+      <dgm:spPr/>
+      <dgm:t>
+        <a:bodyPr/>
+        <a:lstStyle/>
+        <a:p>
+          <a:endParaRPr lang="en-AU"/>
+        </a:p>
+      </dgm:t>
+    </dgm:pt>
+    <dgm:pt modelId="{9F5EC111-2D4B-476D-AF46-DD38AC754300}">
+      <dgm:prSet/>
+      <dgm:spPr/>
+      <dgm:t>
+        <a:bodyPr/>
+        <a:lstStyle/>
+        <a:p>
+          <a:pPr>
+            <a:buFont typeface="Wingdings" panose="05000000000000000000" pitchFamily="2" charset="2"/>
+            <a:buChar char="Ø"/>
+          </a:pPr>
+          <a:r>
+            <a:rPr lang="en-AU" dirty="0">
+              <a:solidFill>
+                <a:schemeClr val="bg1"/>
+              </a:solidFill>
+            </a:rPr>
+            <a:t>Stay </a:t>
+          </a:r>
+          <a:r>
+            <a:rPr lang="en-AU" b="1" dirty="0">
+              <a:solidFill>
+                <a:schemeClr val="bg1"/>
+              </a:solidFill>
+            </a:rPr>
+            <a:t>competitive</a:t>
+          </a:r>
+          <a:r>
+            <a:rPr lang="en-AU" dirty="0">
+              <a:solidFill>
+                <a:schemeClr val="bg1"/>
+              </a:solidFill>
+            </a:rPr>
+            <a:t> in the market through data-driven, personalized pricing</a:t>
+          </a:r>
+        </a:p>
+      </dgm:t>
+    </dgm:pt>
+    <dgm:pt modelId="{28D25CBF-F9BF-4AB2-AD65-E6FAB3DEB7B0}" type="parTrans" cxnId="{9D4C80A8-8B31-4762-AF2D-F5E28E98BDCE}">
+      <dgm:prSet/>
+      <dgm:spPr/>
+      <dgm:t>
+        <a:bodyPr/>
+        <a:lstStyle/>
+        <a:p>
+          <a:endParaRPr lang="en-AU"/>
+        </a:p>
+      </dgm:t>
+    </dgm:pt>
+    <dgm:pt modelId="{76D903D2-5BD6-4612-94C9-566887AC939C}" type="sibTrans" cxnId="{9D4C80A8-8B31-4762-AF2D-F5E28E98BDCE}">
+      <dgm:prSet/>
+      <dgm:spPr/>
+      <dgm:t>
+        <a:bodyPr/>
+        <a:lstStyle/>
+        <a:p>
+          <a:endParaRPr lang="en-AU"/>
         </a:p>
       </dgm:t>
     </dgm:pt>
@@ -5057,18 +5404,26 @@
     </dgm:pt>
   </dgm:ptLst>
   <dgm:cxnLst>
-    <dgm:cxn modelId="{43DBD706-8781-4DF9-8116-FD70E3071CCE}" srcId="{0343435F-24CB-4E09-A07F-03057D69994D}" destId="{E39475CA-B658-4AF7-AFAD-84B7AD74B2C2}" srcOrd="0" destOrd="0" parTransId="{A70B815E-A577-419F-9D34-FF7D3D22B538}" sibTransId="{696F3534-D78A-41FA-86F1-EEEAEB161622}"/>
+    <dgm:cxn modelId="{43DBD706-8781-4DF9-8116-FD70E3071CCE}" srcId="{0343435F-24CB-4E09-A07F-03057D69994D}" destId="{E39475CA-B658-4AF7-AFAD-84B7AD74B2C2}" srcOrd="2" destOrd="0" parTransId="{A70B815E-A577-419F-9D34-FF7D3D22B538}" sibTransId="{696F3534-D78A-41FA-86F1-EEEAEB161622}"/>
+    <dgm:cxn modelId="{57045607-CBC9-422C-BD22-099A5C8D85DC}" srcId="{EFB4A5EF-E981-40C3-A129-67909EA7C8D9}" destId="{07756B08-CDE7-45E3-9D04-E6514BAFE422}" srcOrd="1" destOrd="0" parTransId="{EE30462D-2B5E-4AE9-84B0-B0AF08C86844}" sibTransId="{A153A41E-D72A-4179-8FE1-BCA0FA625C35}"/>
+    <dgm:cxn modelId="{C9BE2C0B-68D1-4034-A294-2680369600C6}" srcId="{07756B08-CDE7-45E3-9D04-E6514BAFE422}" destId="{29C85CE4-E2BC-4DB3-BB7D-EE892B4B2A19}" srcOrd="0" destOrd="0" parTransId="{3611C155-73C4-4FCA-918D-CAFA4E8907EA}" sibTransId="{8961733A-23D9-438C-9E89-4B852B9ED0F1}"/>
+    <dgm:cxn modelId="{7443560E-A5E4-40CC-8D89-4BE0F5B1A0FF}" type="presOf" srcId="{29C85CE4-E2BC-4DB3-BB7D-EE892B4B2A19}" destId="{115F4F0D-ECB5-4CBD-B3B3-C36EE94E616E}" srcOrd="0" destOrd="2" presId="urn:microsoft.com/office/officeart/2018/2/layout/IconLabelDescriptionList"/>
+    <dgm:cxn modelId="{4688C020-4403-4285-A297-CAA8CE70DF30}" type="presOf" srcId="{9F5EC111-2D4B-476D-AF46-DD38AC754300}" destId="{115F4F0D-ECB5-4CBD-B3B3-C36EE94E616E}" srcOrd="0" destOrd="3" presId="urn:microsoft.com/office/officeart/2018/2/layout/IconLabelDescriptionList"/>
     <dgm:cxn modelId="{B7C3BB38-4361-4B15-8141-E2630AD1553A}" type="presOf" srcId="{B9CAA9F2-515D-4E69-A8D4-9EE2B265B859}" destId="{45F5DD64-864C-49C1-A4F8-0E9EC733C8C6}" srcOrd="0" destOrd="0" presId="urn:microsoft.com/office/officeart/2018/2/layout/IconLabelDescriptionList"/>
-    <dgm:cxn modelId="{6CA0BC3E-DCE4-4994-A7F7-C71F4ECF357D}" srcId="{EFB4A5EF-E981-40C3-A129-67909EA7C8D9}" destId="{C1B5DB7F-7862-40C4-9C7F-0799211CC47F}" srcOrd="1" destOrd="0" parTransId="{979524CC-6582-4F26-8B6F-65060A1B75CC}" sibTransId="{88A4C95F-1EAF-4215-A5CC-032EB903F9CF}"/>
+    <dgm:cxn modelId="{C8B02939-5E8D-4C2C-850F-8BCC623D2D36}" srcId="{0343435F-24CB-4E09-A07F-03057D69994D}" destId="{2D0E8F34-1CDE-43CB-951E-09BCD4BDDC7C}" srcOrd="1" destOrd="0" parTransId="{E67DC512-0872-4DE3-9AEA-9379B0CA5BE7}" sibTransId="{9AA24277-37A0-4C25-BDAA-9C8CA0ACF9FA}"/>
+    <dgm:cxn modelId="{D6328651-6E79-46B9-8375-924442BD86FB}" type="presOf" srcId="{07756B08-CDE7-45E3-9D04-E6514BAFE422}" destId="{115F4F0D-ECB5-4CBD-B3B3-C36EE94E616E}" srcOrd="0" destOrd="1" presId="urn:microsoft.com/office/officeart/2018/2/layout/IconLabelDescriptionList"/>
     <dgm:cxn modelId="{8AB4FA83-D968-4C2C-AB88-754632A3F987}" srcId="{1EC558BA-040A-4F6D-B53D-02429EBD91A4}" destId="{0343435F-24CB-4E09-A07F-03057D69994D}" srcOrd="0" destOrd="0" parTransId="{E371D456-D263-4C33-96F0-5AD22D47623F}" sibTransId="{FA507B2D-BFE5-44BC-B475-C7780764AE89}"/>
     <dgm:cxn modelId="{C403A798-4929-4411-AC04-27D604F07894}" type="presOf" srcId="{1EC558BA-040A-4F6D-B53D-02429EBD91A4}" destId="{C03D07A0-0DFF-4AB7-BD99-C9E858E2A331}" srcOrd="0" destOrd="0" presId="urn:microsoft.com/office/officeart/2018/2/layout/IconLabelDescriptionList"/>
-    <dgm:cxn modelId="{B54BF89E-8020-46B9-A7F1-C9074C91A056}" type="presOf" srcId="{C1B5DB7F-7862-40C4-9C7F-0799211CC47F}" destId="{115F4F0D-ECB5-4CBD-B3B3-C36EE94E616E}" srcOrd="0" destOrd="1" presId="urn:microsoft.com/office/officeart/2018/2/layout/IconLabelDescriptionList"/>
+    <dgm:cxn modelId="{9D4C80A8-8B31-4762-AF2D-F5E28E98BDCE}" srcId="{07756B08-CDE7-45E3-9D04-E6514BAFE422}" destId="{9F5EC111-2D4B-476D-AF46-DD38AC754300}" srcOrd="1" destOrd="0" parTransId="{28D25CBF-F9BF-4AB2-AD65-E6FAB3DEB7B0}" sibTransId="{76D903D2-5BD6-4612-94C9-566887AC939C}"/>
     <dgm:cxn modelId="{AAFA9DB0-0C8F-46C1-900E-D18B728715F2}" srcId="{B9CAA9F2-515D-4E69-A8D4-9EE2B265B859}" destId="{1EC558BA-040A-4F6D-B53D-02429EBD91A4}" srcOrd="0" destOrd="0" parTransId="{0909F94F-56FA-4ADF-9562-5EB48EC80DC6}" sibTransId="{9C7D12B4-2684-4F0F-AD3A-A9BC4697D27C}"/>
     <dgm:cxn modelId="{3D3321C6-7688-4F22-AA12-06DFE7888FDE}" srcId="{EFB4A5EF-E981-40C3-A129-67909EA7C8D9}" destId="{8294CAA8-B31B-49CC-85A8-4F7CB1E41D8E}" srcOrd="0" destOrd="0" parTransId="{74AEBBCB-93D4-4FD9-9029-8C5E88A3118E}" sibTransId="{51A9C838-3348-41D1-85C8-612E41B112D1}"/>
-    <dgm:cxn modelId="{D8B283DC-278A-4FD4-89AB-5CA3BB47D71B}" type="presOf" srcId="{E39475CA-B658-4AF7-AFAD-84B7AD74B2C2}" destId="{5DBB2A8F-2CC3-4921-9300-312DA04B8E37}" srcOrd="0" destOrd="1" presId="urn:microsoft.com/office/officeart/2018/2/layout/IconLabelDescriptionList"/>
+    <dgm:cxn modelId="{957123D8-03AD-4441-956C-9A19C7500969}" type="presOf" srcId="{2D0E8F34-1CDE-43CB-951E-09BCD4BDDC7C}" destId="{5DBB2A8F-2CC3-4921-9300-312DA04B8E37}" srcOrd="0" destOrd="2" presId="urn:microsoft.com/office/officeart/2018/2/layout/IconLabelDescriptionList"/>
+    <dgm:cxn modelId="{D8B283DC-278A-4FD4-89AB-5CA3BB47D71B}" type="presOf" srcId="{E39475CA-B658-4AF7-AFAD-84B7AD74B2C2}" destId="{5DBB2A8F-2CC3-4921-9300-312DA04B8E37}" srcOrd="0" destOrd="3" presId="urn:microsoft.com/office/officeart/2018/2/layout/IconLabelDescriptionList"/>
+    <dgm:cxn modelId="{CF6724E6-23DE-45D0-B692-146ED4023EF4}" srcId="{0343435F-24CB-4E09-A07F-03057D69994D}" destId="{C8F6A76E-8F3D-4CC9-825E-019442EC3CDA}" srcOrd="0" destOrd="0" parTransId="{F2116B40-7161-4452-8C5E-F010C14436CC}" sibTransId="{0FDCC05F-F90E-460F-9DEC-045453053232}"/>
     <dgm:cxn modelId="{0ACA7DE6-74B0-4CAE-8B95-8DD706BCA35A}" srcId="{B9CAA9F2-515D-4E69-A8D4-9EE2B265B859}" destId="{EFB4A5EF-E981-40C3-A129-67909EA7C8D9}" srcOrd="1" destOrd="0" parTransId="{FFE84F46-2791-4E50-8BD2-D2BBF3ED4E47}" sibTransId="{0B2BDB45-82EA-4F90-B094-551CC41AADA2}"/>
     <dgm:cxn modelId="{30773EE9-C104-4F61-9D3F-6CEA2915BBA7}" type="presOf" srcId="{0343435F-24CB-4E09-A07F-03057D69994D}" destId="{5DBB2A8F-2CC3-4921-9300-312DA04B8E37}" srcOrd="0" destOrd="0" presId="urn:microsoft.com/office/officeart/2018/2/layout/IconLabelDescriptionList"/>
     <dgm:cxn modelId="{45E76EED-7A7E-4953-9EAE-C91E846CB795}" type="presOf" srcId="{EFB4A5EF-E981-40C3-A129-67909EA7C8D9}" destId="{3B38F747-5797-4BA7-AB49-6E3AC7A75417}" srcOrd="0" destOrd="0" presId="urn:microsoft.com/office/officeart/2018/2/layout/IconLabelDescriptionList"/>
+    <dgm:cxn modelId="{864192F0-F247-472C-A819-B86F005FB9A0}" type="presOf" srcId="{C8F6A76E-8F3D-4CC9-825E-019442EC3CDA}" destId="{5DBB2A8F-2CC3-4921-9300-312DA04B8E37}" srcOrd="0" destOrd="1" presId="urn:microsoft.com/office/officeart/2018/2/layout/IconLabelDescriptionList"/>
     <dgm:cxn modelId="{3203D9F4-91C4-439F-BECC-E35E9BA7CD59}" type="presOf" srcId="{8294CAA8-B31B-49CC-85A8-4F7CB1E41D8E}" destId="{115F4F0D-ECB5-4CBD-B3B3-C36EE94E616E}" srcOrd="0" destOrd="0" presId="urn:microsoft.com/office/officeart/2018/2/layout/IconLabelDescriptionList"/>
     <dgm:cxn modelId="{E393AB72-A74B-4831-AD61-7C6416F2260C}" type="presParOf" srcId="{45F5DD64-864C-49C1-A4F8-0E9EC733C8C6}" destId="{91BEAF8F-FEFB-4569-8845-1A2C363597B9}" srcOrd="0" destOrd="0" presId="urn:microsoft.com/office/officeart/2018/2/layout/IconLabelDescriptionList"/>
     <dgm:cxn modelId="{B48DBD2A-B3DD-47B5-B8A0-9C8230590F7D}" type="presParOf" srcId="{91BEAF8F-FEFB-4569-8845-1A2C363597B9}" destId="{17CD1D51-690F-4553-AB5F-8645514554FF}" srcOrd="0" destOrd="0" presId="urn:microsoft.com/office/officeart/2018/2/layout/IconLabelDescriptionList"/>
@@ -5155,9 +5510,13 @@
         <a:bodyPr/>
         <a:lstStyle/>
         <a:p>
+          <a:pPr>
+            <a:buFont typeface="Wingdings" panose="05000000000000000000" pitchFamily="2" charset="2"/>
+            <a:buChar char="Ø"/>
+          </a:pPr>
           <a:r>
-            <a:rPr lang="en-US"/>
-            <a:t>The linear regression model predicts car insurance premiums based on driver experience, with R² of 0.64.  It is not perfect. There’s still significant room for improvement in capturing the relationship between Driver Experience and Premium.</a:t>
+            <a:rPr lang="en-US" dirty="0"/>
+            <a:t>    The linear regression model predicts car insurance premiums based on driver experience, with R² of 0.64.  It is not perfect. There’s still significant room for improvement in capturing the relationship between Driver Experience and Premium.</a:t>
           </a:r>
         </a:p>
       </dgm:t>
@@ -5231,9 +5590,13 @@
         <a:bodyPr/>
         <a:lstStyle/>
         <a:p>
+          <a:pPr>
+            <a:buFont typeface="Wingdings" panose="05000000000000000000" pitchFamily="2" charset="2"/>
+            <a:buChar char="Ø"/>
+          </a:pPr>
           <a:r>
-            <a:rPr lang="en-US"/>
-            <a:t>Try other machine learning models</a:t>
+            <a:rPr lang="en-US" dirty="0"/>
+            <a:t>    Try other machine learning models</a:t>
           </a:r>
         </a:p>
       </dgm:t>
@@ -5267,9 +5630,13 @@
         <a:bodyPr/>
         <a:lstStyle/>
         <a:p>
+          <a:pPr>
+            <a:buFont typeface="Wingdings" panose="05000000000000000000" pitchFamily="2" charset="2"/>
+            <a:buChar char="Ø"/>
+          </a:pPr>
           <a:r>
-            <a:rPr lang="en-US"/>
-            <a:t>Incorporate additional features like age or car type for improved accuracy.</a:t>
+            <a:rPr lang="en-US" dirty="0"/>
+            <a:t>    Incorporate additional features like age or car type for improved accuracy.</a:t>
           </a:r>
         </a:p>
       </dgm:t>
@@ -5303,9 +5670,12 @@
         <a:bodyPr/>
         <a:lstStyle/>
         <a:p>
+          <a:pPr>
+            <a:buNone/>
+          </a:pPr>
           <a:r>
-            <a:rPr lang="en-US"/>
-            <a:t>Test the model on new data to ensure generalizability.</a:t>
+            <a:rPr lang="en-US" dirty="0"/>
+            <a:t>    Test the model on new data to ensure generalizability.</a:t>
           </a:r>
         </a:p>
       </dgm:t>
@@ -7119,8 +7489,8 @@
       </dsp:nvSpPr>
       <dsp:spPr>
         <a:xfrm>
-          <a:off x="2751" y="599754"/>
-          <a:ext cx="1193062" cy="1193062"/>
+          <a:off x="10506" y="0"/>
+          <a:ext cx="1336627" cy="1256106"/>
         </a:xfrm>
         <a:prstGeom prst="rect">
           <a:avLst/>
@@ -7175,8 +7545,8 @@
       </dsp:nvSpPr>
       <dsp:spPr>
         <a:xfrm>
-          <a:off x="2751" y="1955635"/>
-          <a:ext cx="3408749" cy="511312"/>
+          <a:off x="10506" y="1441656"/>
+          <a:ext cx="3818936" cy="538331"/>
         </a:xfrm>
         <a:prstGeom prst="rect">
           <a:avLst/>
@@ -7234,8 +7604,8 @@
         </a:p>
       </dsp:txBody>
       <dsp:txXfrm>
-        <a:off x="2751" y="1955635"/>
-        <a:ext cx="3408749" cy="511312"/>
+        <a:off x="10506" y="1441656"/>
+        <a:ext cx="3818936" cy="538331"/>
       </dsp:txXfrm>
     </dsp:sp>
     <dsp:sp modelId="{5DBB2A8F-2CC3-4921-9300-312DA04B8E37}">
@@ -7245,8 +7615,8 @@
       </dsp:nvSpPr>
       <dsp:spPr>
         <a:xfrm>
-          <a:off x="2751" y="2542677"/>
-          <a:ext cx="3408749" cy="1843548"/>
+          <a:off x="10506" y="2066290"/>
+          <a:ext cx="3818936" cy="2529925"/>
         </a:xfrm>
         <a:prstGeom prst="rect">
           <a:avLst/>
@@ -7287,13 +7657,97 @@
             </a:spcAft>
             <a:buNone/>
           </a:pPr>
+          <a:endParaRPr lang="en-US" sz="1700" kern="1200" dirty="0">
+            <a:solidFill>
+              <a:schemeClr val="bg1"/>
+            </a:solidFill>
+          </a:endParaRPr>
+        </a:p>
+        <a:p>
+          <a:pPr marL="171450" lvl="1" indent="-171450" algn="l" defTabSz="755650">
+            <a:lnSpc>
+              <a:spcPct val="90000"/>
+            </a:lnSpc>
+            <a:spcBef>
+              <a:spcPct val="0"/>
+            </a:spcBef>
+            <a:spcAft>
+              <a:spcPct val="15000"/>
+            </a:spcAft>
+            <a:buFont typeface="Wingdings" panose="05000000000000000000" pitchFamily="2" charset="2"/>
+            <a:buChar char="Ø"/>
+          </a:pPr>
           <a:r>
             <a:rPr lang="en-US" sz="1700" kern="1200" dirty="0">
               <a:solidFill>
                 <a:schemeClr val="bg1"/>
               </a:solidFill>
             </a:rPr>
-            <a:t>As driver experience increases, insurance premiums tend to decrease.</a:t>
+            <a:t> </a:t>
+          </a:r>
+          <a:r>
+            <a:rPr lang="en-US" sz="1700" b="1" kern="1200" dirty="0">
+              <a:solidFill>
+                <a:schemeClr val="bg1"/>
+              </a:solidFill>
+            </a:rPr>
+            <a:t>S</a:t>
+          </a:r>
+          <a:r>
+            <a:rPr lang="en-AU" sz="1700" b="1" kern="1200" dirty="0" err="1">
+              <a:solidFill>
+                <a:schemeClr val="bg1"/>
+              </a:solidFill>
+            </a:rPr>
+            <a:t>trong</a:t>
+          </a:r>
+          <a:r>
+            <a:rPr lang="en-AU" sz="1700" b="1" kern="1200" dirty="0">
+              <a:solidFill>
+                <a:schemeClr val="bg1"/>
+              </a:solidFill>
+            </a:rPr>
+            <a:t> negative relationship</a:t>
+          </a:r>
+          <a:r>
+            <a:rPr lang="en-AU" sz="1700" kern="1200" dirty="0">
+              <a:solidFill>
+                <a:schemeClr val="bg1"/>
+              </a:solidFill>
+            </a:rPr>
+            <a:t> between </a:t>
+          </a:r>
+          <a:r>
+            <a:rPr lang="en-AU" sz="1700" b="1" kern="1200" dirty="0">
+              <a:solidFill>
+                <a:schemeClr val="bg1"/>
+              </a:solidFill>
+            </a:rPr>
+            <a:t>driver experience</a:t>
+          </a:r>
+          <a:r>
+            <a:rPr lang="en-AU" sz="1700" kern="1200" dirty="0">
+              <a:solidFill>
+                <a:schemeClr val="bg1"/>
+              </a:solidFill>
+            </a:rPr>
+            <a:t> and </a:t>
+          </a:r>
+          <a:r>
+            <a:rPr lang="en-AU" sz="1700" b="1" kern="1200" dirty="0">
+              <a:solidFill>
+                <a:schemeClr val="bg1"/>
+              </a:solidFill>
+            </a:rPr>
+            <a:t>insurance premiums -</a:t>
+          </a:r>
+          <a:r>
+            <a:rPr lang="en-US" sz="1700" kern="1200" dirty="0">
+              <a:solidFill>
+                <a:schemeClr val="bg1"/>
+              </a:solidFill>
+            </a:rPr>
+            <a:t> driver experience increases, insurance premiums tend to decrease</a:t>
           </a:r>
         </a:p>
         <a:p>
@@ -7309,19 +7763,79 @@
             </a:spcAft>
             <a:buChar char="•"/>
           </a:pPr>
+          <a:endParaRPr lang="en-US" sz="1700" kern="1200" dirty="0">
+            <a:solidFill>
+              <a:schemeClr val="bg1"/>
+            </a:solidFill>
+          </a:endParaRPr>
+        </a:p>
+        <a:p>
+          <a:pPr marL="171450" lvl="1" indent="-171450" algn="l" defTabSz="755650">
+            <a:lnSpc>
+              <a:spcPct val="90000"/>
+            </a:lnSpc>
+            <a:spcBef>
+              <a:spcPct val="0"/>
+            </a:spcBef>
+            <a:spcAft>
+              <a:spcPct val="15000"/>
+            </a:spcAft>
+            <a:buFont typeface="Wingdings" panose="05000000000000000000" pitchFamily="2" charset="2"/>
+            <a:buChar char="Ø"/>
+          </a:pPr>
+          <a:r>
+            <a:rPr lang="en-AU" sz="1700" kern="1200" dirty="0">
+              <a:solidFill>
+                <a:schemeClr val="bg1"/>
+              </a:solidFill>
+            </a:rPr>
+            <a:t> Our </a:t>
+          </a:r>
+          <a:r>
+            <a:rPr lang="en-AU" sz="1700" b="1" kern="1200" dirty="0">
+              <a:solidFill>
+                <a:schemeClr val="bg1"/>
+              </a:solidFill>
+            </a:rPr>
+            <a:t>linear regression model</a:t>
+          </a:r>
+          <a:r>
+            <a:rPr lang="en-AU" sz="1700" kern="1200" dirty="0">
+              <a:solidFill>
+                <a:schemeClr val="bg1"/>
+              </a:solidFill>
+            </a:rPr>
+            <a:t> </a:t>
+          </a:r>
           <a:r>
             <a:rPr lang="en-US" sz="1700" kern="1200" dirty="0">
               <a:solidFill>
                 <a:schemeClr val="bg1"/>
               </a:solidFill>
             </a:rPr>
-            <a:t>The model provides a good starting point for predicting insurance premiums based on driver experience.</a:t>
+            <a:t>provides a </a:t>
+          </a:r>
+          <a:r>
+            <a:rPr lang="en-AU" sz="1700" kern="1200" dirty="0">
+              <a:solidFill>
+                <a:schemeClr val="bg1"/>
+              </a:solidFill>
+            </a:rPr>
+            <a:t>solid baseline </a:t>
+          </a:r>
+          <a:r>
+            <a:rPr lang="en-US" sz="1700" kern="1200" dirty="0">
+              <a:solidFill>
+                <a:schemeClr val="bg1"/>
+              </a:solidFill>
+            </a:rPr>
+            <a:t>point for predicting insurance premiums based on driver experience.</a:t>
           </a:r>
         </a:p>
       </dsp:txBody>
       <dsp:txXfrm>
-        <a:off x="2751" y="2542677"/>
-        <a:ext cx="3408749" cy="1843548"/>
+        <a:off x="10506" y="2066290"/>
+        <a:ext cx="3818936" cy="2529925"/>
       </dsp:txXfrm>
     </dsp:sp>
     <dsp:sp modelId="{E6794274-9805-467F-8B50-3A32EA129F8B}">
@@ -7331,8 +7845,8 @@
       </dsp:nvSpPr>
       <dsp:spPr>
         <a:xfrm>
-          <a:off x="4008032" y="599754"/>
-          <a:ext cx="1193062" cy="1193062"/>
+          <a:off x="4497756" y="0"/>
+          <a:ext cx="1336627" cy="1256106"/>
         </a:xfrm>
         <a:prstGeom prst="rect">
           <a:avLst/>
@@ -7387,8 +7901,8 @@
       </dsp:nvSpPr>
       <dsp:spPr>
         <a:xfrm>
-          <a:off x="4008032" y="1955635"/>
-          <a:ext cx="3408749" cy="511312"/>
+          <a:off x="4497756" y="1441656"/>
+          <a:ext cx="3818936" cy="538331"/>
         </a:xfrm>
         <a:prstGeom prst="rect">
           <a:avLst/>
@@ -7446,8 +7960,8 @@
         </a:p>
       </dsp:txBody>
       <dsp:txXfrm>
-        <a:off x="4008032" y="1955635"/>
-        <a:ext cx="3408749" cy="511312"/>
+        <a:off x="4497756" y="1441656"/>
+        <a:ext cx="3818936" cy="538331"/>
       </dsp:txXfrm>
     </dsp:sp>
     <dsp:sp modelId="{115F4F0D-ECB5-4CBD-B3B3-C36EE94E616E}">
@@ -7457,8 +7971,8 @@
       </dsp:nvSpPr>
       <dsp:spPr>
         <a:xfrm>
-          <a:off x="4008032" y="2542677"/>
-          <a:ext cx="3408749" cy="1843548"/>
+          <a:off x="4497756" y="2066290"/>
+          <a:ext cx="3818936" cy="2529925"/>
         </a:xfrm>
         <a:prstGeom prst="rect">
           <a:avLst/>
@@ -7497,6 +8011,7 @@
             <a:spcAft>
               <a:spcPct val="35000"/>
             </a:spcAft>
+            <a:buFont typeface="Wingdings" panose="05000000000000000000" pitchFamily="2" charset="2"/>
             <a:buNone/>
           </a:pPr>
           <a:r>
@@ -7505,8 +8020,53 @@
                 <a:schemeClr val="bg1"/>
               </a:solidFill>
             </a:rPr>
-            <a:t>This model can help insurance companies set more accurate, fair premiums for drivers based on experience.</a:t>
+            <a:t> </a:t>
           </a:r>
+          <a:r>
+            <a:rPr lang="en-AU" sz="1700" kern="1200" dirty="0">
+              <a:solidFill>
+                <a:schemeClr val="bg1"/>
+              </a:solidFill>
+            </a:rPr>
+            <a:t>This model can support </a:t>
+          </a:r>
+          <a:r>
+            <a:rPr lang="en-AU" sz="1700" b="1" kern="1200" dirty="0">
+              <a:solidFill>
+                <a:schemeClr val="bg1"/>
+              </a:solidFill>
+            </a:rPr>
+            <a:t>insurance companies</a:t>
+          </a:r>
+          <a:r>
+            <a:rPr lang="en-AU" sz="1700" kern="1200" dirty="0">
+              <a:solidFill>
+                <a:schemeClr val="bg1"/>
+              </a:solidFill>
+            </a:rPr>
+            <a:t> in setting </a:t>
+          </a:r>
+          <a:r>
+            <a:rPr lang="en-AU" sz="1700" b="1" kern="1200" dirty="0">
+              <a:solidFill>
+                <a:schemeClr val="bg1"/>
+              </a:solidFill>
+            </a:rPr>
+            <a:t>more accurate and fair premiums</a:t>
+          </a:r>
+          <a:r>
+            <a:rPr lang="en-AU" sz="1700" kern="1200" dirty="0">
+              <a:solidFill>
+                <a:schemeClr val="bg1"/>
+              </a:solidFill>
+            </a:rPr>
+            <a:t>, especially for experienced drivers.</a:t>
+          </a:r>
+          <a:endParaRPr lang="en-US" sz="1700" kern="1200" dirty="0">
+            <a:solidFill>
+              <a:schemeClr val="bg1"/>
+            </a:solidFill>
+          </a:endParaRPr>
         </a:p>
         <a:p>
           <a:pPr marL="0" lvl="0" indent="0" algn="l" defTabSz="755650">
@@ -7522,18 +8082,88 @@
             <a:buNone/>
           </a:pPr>
           <a:r>
-            <a:rPr lang="en-US" sz="1700" kern="1200" dirty="0">
+            <a:rPr lang="en-AU" sz="1700" kern="1200" dirty="0">
               <a:solidFill>
                 <a:schemeClr val="bg1"/>
               </a:solidFill>
             </a:rPr>
-            <a:t>Better pricing strategies could lead to increased customer satisfaction and more competitive pricing.</a:t>
+            <a:t>By integrating this model into pricing strategies, companies can:</a:t>
+          </a:r>
+        </a:p>
+        <a:p>
+          <a:pPr marL="171450" lvl="1" indent="-171450" algn="l" defTabSz="755650">
+            <a:lnSpc>
+              <a:spcPct val="90000"/>
+            </a:lnSpc>
+            <a:spcBef>
+              <a:spcPct val="0"/>
+            </a:spcBef>
+            <a:spcAft>
+              <a:spcPct val="15000"/>
+            </a:spcAft>
+            <a:buFont typeface="Wingdings" panose="05000000000000000000" pitchFamily="2" charset="2"/>
+            <a:buChar char="Ø"/>
+          </a:pPr>
+          <a:r>
+            <a:rPr lang="en-AU" sz="1700" b="1" kern="1200" dirty="0">
+              <a:solidFill>
+                <a:schemeClr val="bg1"/>
+              </a:solidFill>
+            </a:rPr>
+            <a:t>Improve customer satisfaction</a:t>
+          </a:r>
+          <a:r>
+            <a:rPr lang="en-AU" sz="1700" kern="1200" dirty="0">
+              <a:solidFill>
+                <a:schemeClr val="bg1"/>
+              </a:solidFill>
+            </a:rPr>
+            <a:t> by offering premiums that reflect actual risk</a:t>
+          </a:r>
+        </a:p>
+        <a:p>
+          <a:pPr marL="171450" lvl="1" indent="-171450" algn="l" defTabSz="755650">
+            <a:lnSpc>
+              <a:spcPct val="90000"/>
+            </a:lnSpc>
+            <a:spcBef>
+              <a:spcPct val="0"/>
+            </a:spcBef>
+            <a:spcAft>
+              <a:spcPct val="15000"/>
+            </a:spcAft>
+            <a:buFont typeface="Wingdings" panose="05000000000000000000" pitchFamily="2" charset="2"/>
+            <a:buChar char="Ø"/>
+          </a:pPr>
+          <a:r>
+            <a:rPr lang="en-AU" sz="1700" kern="1200" dirty="0">
+              <a:solidFill>
+                <a:schemeClr val="bg1"/>
+              </a:solidFill>
+            </a:rPr>
+            <a:t>Stay </a:t>
+          </a:r>
+          <a:r>
+            <a:rPr lang="en-AU" sz="1700" b="1" kern="1200" dirty="0">
+              <a:solidFill>
+                <a:schemeClr val="bg1"/>
+              </a:solidFill>
+            </a:rPr>
+            <a:t>competitive</a:t>
+          </a:r>
+          <a:r>
+            <a:rPr lang="en-AU" sz="1700" kern="1200" dirty="0">
+              <a:solidFill>
+                <a:schemeClr val="bg1"/>
+              </a:solidFill>
+            </a:rPr>
+            <a:t> in the market through data-driven, personalized pricing</a:t>
           </a:r>
         </a:p>
       </dsp:txBody>
       <dsp:txXfrm>
-        <a:off x="4008032" y="2542677"/>
-        <a:ext cx="3408749" cy="1843548"/>
+        <a:off x="4497756" y="2066290"/>
+        <a:ext cx="3818936" cy="2529925"/>
       </dsp:txXfrm>
     </dsp:sp>
   </dsp:spTree>
@@ -7555,8 +8185,8 @@
       </dsp:nvSpPr>
       <dsp:spPr>
         <a:xfrm>
-          <a:off x="4197" y="700446"/>
-          <a:ext cx="908085" cy="908085"/>
+          <a:off x="2086" y="740045"/>
+          <a:ext cx="1063125" cy="1063125"/>
         </a:xfrm>
         <a:prstGeom prst="rect">
           <a:avLst/>
@@ -7604,8 +8234,8 @@
       </dsp:nvSpPr>
       <dsp:spPr>
         <a:xfrm>
-          <a:off x="4197" y="1761955"/>
-          <a:ext cx="2594531" cy="389179"/>
+          <a:off x="2086" y="1955827"/>
+          <a:ext cx="3037500" cy="455625"/>
         </a:xfrm>
         <a:prstGeom prst="rect">
           <a:avLst/>
@@ -7634,7 +8264,7 @@
         </a:bodyPr>
         <a:lstStyle/>
         <a:p>
-          <a:pPr marL="0" lvl="0" indent="0" algn="l" defTabSz="1289050">
+          <a:pPr marL="0" lvl="0" indent="0" algn="l" defTabSz="1511300">
             <a:lnSpc>
               <a:spcPct val="90000"/>
             </a:lnSpc>
@@ -7648,15 +8278,15 @@
             <a:defRPr b="1"/>
           </a:pPr>
           <a:r>
-            <a:rPr lang="en-US" sz="2900" b="1" kern="1200"/>
+            <a:rPr lang="en-US" sz="3400" b="1" kern="1200"/>
             <a:t>Conclusion: </a:t>
           </a:r>
-          <a:endParaRPr lang="en-US" sz="2900" kern="1200"/>
+          <a:endParaRPr lang="en-US" sz="3400" kern="1200"/>
         </a:p>
       </dsp:txBody>
       <dsp:txXfrm>
-        <a:off x="4197" y="1761955"/>
-        <a:ext cx="2594531" cy="389179"/>
+        <a:off x="2086" y="1955827"/>
+        <a:ext cx="3037500" cy="455625"/>
       </dsp:txXfrm>
     </dsp:sp>
     <dsp:sp modelId="{E23BDB94-4243-4EB2-8DFB-6F4CC9149900}">
@@ -7666,8 +8296,8 @@
       </dsp:nvSpPr>
       <dsp:spPr>
         <a:xfrm>
-          <a:off x="4197" y="2222494"/>
-          <a:ext cx="2594531" cy="2045933"/>
+          <a:off x="2086" y="2482455"/>
+          <a:ext cx="3037500" cy="1807745"/>
         </a:xfrm>
         <a:prstGeom prst="rect">
           <a:avLst/>
@@ -7706,17 +8336,18 @@
             <a:spcAft>
               <a:spcPct val="35000"/>
             </a:spcAft>
+            <a:buFont typeface="Wingdings" panose="05000000000000000000" pitchFamily="2" charset="2"/>
             <a:buNone/>
           </a:pPr>
           <a:r>
-            <a:rPr lang="en-US" sz="1700" kern="1200"/>
-            <a:t>The linear regression model predicts car insurance premiums based on driver experience, with R² of 0.64.  It is not perfect. There’s still significant room for improvement in capturing the relationship between Driver Experience and Premium.</a:t>
+            <a:rPr lang="en-US" sz="1700" kern="1200" dirty="0"/>
+            <a:t>    The linear regression model predicts car insurance premiums based on driver experience, with R² of 0.64.  It is not perfect. There’s still significant room for improvement in capturing the relationship between Driver Experience and Premium.</a:t>
           </a:r>
         </a:p>
       </dsp:txBody>
       <dsp:txXfrm>
-        <a:off x="4197" y="2222494"/>
-        <a:ext cx="2594531" cy="2045933"/>
+        <a:off x="2086" y="2482455"/>
+        <a:ext cx="3037500" cy="1807745"/>
       </dsp:txXfrm>
     </dsp:sp>
     <dsp:sp modelId="{018F4459-138C-43F6-8387-22F34FBBA6CF}">
@@ -7726,8 +8357,8 @@
       </dsp:nvSpPr>
       <dsp:spPr>
         <a:xfrm>
-          <a:off x="3052771" y="700446"/>
-          <a:ext cx="908085" cy="908085"/>
+          <a:off x="3571148" y="740045"/>
+          <a:ext cx="1063125" cy="1063125"/>
         </a:xfrm>
         <a:prstGeom prst="rect">
           <a:avLst/>
@@ -7775,8 +8406,8 @@
       </dsp:nvSpPr>
       <dsp:spPr>
         <a:xfrm>
-          <a:off x="3052771" y="1761955"/>
-          <a:ext cx="2594531" cy="389179"/>
+          <a:off x="3571148" y="1955827"/>
+          <a:ext cx="3037500" cy="455625"/>
         </a:xfrm>
         <a:prstGeom prst="rect">
           <a:avLst/>
@@ -7805,7 +8436,7 @@
         </a:bodyPr>
         <a:lstStyle/>
         <a:p>
-          <a:pPr marL="0" lvl="0" indent="0" algn="l" defTabSz="1289050">
+          <a:pPr marL="0" lvl="0" indent="0" algn="l" defTabSz="1511300">
             <a:lnSpc>
               <a:spcPct val="90000"/>
             </a:lnSpc>
@@ -7819,15 +8450,15 @@
             <a:defRPr b="1"/>
           </a:pPr>
           <a:r>
-            <a:rPr lang="en-US" sz="2900" b="1" kern="1200"/>
+            <a:rPr lang="en-US" sz="3400" b="1" kern="1200"/>
             <a:t>Next Steps:</a:t>
           </a:r>
-          <a:endParaRPr lang="en-US" sz="2900" kern="1200"/>
+          <a:endParaRPr lang="en-US" sz="3400" kern="1200"/>
         </a:p>
       </dsp:txBody>
       <dsp:txXfrm>
-        <a:off x="3052771" y="1761955"/>
-        <a:ext cx="2594531" cy="389179"/>
+        <a:off x="3571148" y="1955827"/>
+        <a:ext cx="3037500" cy="455625"/>
       </dsp:txXfrm>
     </dsp:sp>
     <dsp:sp modelId="{84D951B1-71FC-4033-8431-4B231FC70A05}">
@@ -7837,8 +8468,8 @@
       </dsp:nvSpPr>
       <dsp:spPr>
         <a:xfrm>
-          <a:off x="3052771" y="2222494"/>
-          <a:ext cx="2594531" cy="2045933"/>
+          <a:off x="3571148" y="2482455"/>
+          <a:ext cx="3037500" cy="1807745"/>
         </a:xfrm>
         <a:prstGeom prst="rect">
           <a:avLst/>
@@ -7877,11 +8508,31 @@
             <a:spcAft>
               <a:spcPct val="35000"/>
             </a:spcAft>
+            <a:buFont typeface="Wingdings" panose="05000000000000000000" pitchFamily="2" charset="2"/>
             <a:buNone/>
           </a:pPr>
           <a:r>
-            <a:rPr lang="en-US" sz="1700" kern="1200"/>
-            <a:t>Try other machine learning models</a:t>
+            <a:rPr lang="en-US" sz="1700" kern="1200" dirty="0"/>
+            <a:t>    Try other machine learning models</a:t>
+          </a:r>
+        </a:p>
+        <a:p>
+          <a:pPr marL="0" lvl="0" indent="0" algn="l" defTabSz="755650">
+            <a:lnSpc>
+              <a:spcPct val="90000"/>
+            </a:lnSpc>
+            <a:spcBef>
+              <a:spcPct val="0"/>
+            </a:spcBef>
+            <a:spcAft>
+              <a:spcPct val="35000"/>
+            </a:spcAft>
+            <a:buFont typeface="Wingdings" panose="05000000000000000000" pitchFamily="2" charset="2"/>
+            <a:buNone/>
+          </a:pPr>
+          <a:r>
+            <a:rPr lang="en-US" sz="1700" kern="1200" dirty="0"/>
+            <a:t>    Incorporate additional features like age or car type for improved accuracy.</a:t>
           </a:r>
         </a:p>
         <a:p>
@@ -7898,32 +8549,14 @@
             <a:buNone/>
           </a:pPr>
           <a:r>
-            <a:rPr lang="en-US" sz="1700" kern="1200"/>
-            <a:t>Incorporate additional features like age or car type for improved accuracy.</a:t>
-          </a:r>
-        </a:p>
-        <a:p>
-          <a:pPr marL="0" lvl="0" indent="0" algn="l" defTabSz="755650">
-            <a:lnSpc>
-              <a:spcPct val="90000"/>
-            </a:lnSpc>
-            <a:spcBef>
-              <a:spcPct val="0"/>
-            </a:spcBef>
-            <a:spcAft>
-              <a:spcPct val="35000"/>
-            </a:spcAft>
-            <a:buNone/>
-          </a:pPr>
-          <a:r>
-            <a:rPr lang="en-US" sz="1700" kern="1200"/>
-            <a:t>Test the model on new data to ensure generalizability.</a:t>
+            <a:rPr lang="en-US" sz="1700" kern="1200" dirty="0"/>
+            <a:t>    Test the model on new data to ensure generalizability.</a:t>
           </a:r>
         </a:p>
       </dsp:txBody>
       <dsp:txXfrm>
-        <a:off x="3052771" y="2222494"/>
-        <a:ext cx="2594531" cy="2045933"/>
+        <a:off x="3571148" y="2482455"/>
+        <a:ext cx="3037500" cy="1807745"/>
       </dsp:txXfrm>
     </dsp:sp>
   </dsp:spTree>
@@ -13168,7 +13801,7 @@
           <a:p>
             <a:fld id="{8B26247A-7472-427A-A495-D3E06B3E3453}" type="datetimeFigureOut">
               <a:rPr lang="en-AU" smtClean="0"/>
-              <a:t>21/04/2025</a:t>
+              <a:t>26/04/2025</a:t>
             </a:fld>
             <a:endParaRPr lang="en-AU"/>
           </a:p>
@@ -13338,7 +13971,7 @@
           <a:p>
             <a:fld id="{8B26247A-7472-427A-A495-D3E06B3E3453}" type="datetimeFigureOut">
               <a:rPr lang="en-AU" smtClean="0"/>
-              <a:t>21/04/2025</a:t>
+              <a:t>26/04/2025</a:t>
             </a:fld>
             <a:endParaRPr lang="en-AU"/>
           </a:p>
@@ -13518,7 +14151,7 @@
           <a:p>
             <a:fld id="{8B26247A-7472-427A-A495-D3E06B3E3453}" type="datetimeFigureOut">
               <a:rPr lang="en-AU" smtClean="0"/>
-              <a:t>21/04/2025</a:t>
+              <a:t>26/04/2025</a:t>
             </a:fld>
             <a:endParaRPr lang="en-AU"/>
           </a:p>
@@ -13688,7 +14321,7 @@
           <a:p>
             <a:fld id="{8B26247A-7472-427A-A495-D3E06B3E3453}" type="datetimeFigureOut">
               <a:rPr lang="en-AU" smtClean="0"/>
-              <a:t>21/04/2025</a:t>
+              <a:t>26/04/2025</a:t>
             </a:fld>
             <a:endParaRPr lang="en-AU"/>
           </a:p>
@@ -13956,7 +14589,7 @@
           <a:p>
             <a:fld id="{8B26247A-7472-427A-A495-D3E06B3E3453}" type="datetimeFigureOut">
               <a:rPr lang="en-AU" smtClean="0"/>
-              <a:t>21/04/2025</a:t>
+              <a:t>26/04/2025</a:t>
             </a:fld>
             <a:endParaRPr lang="en-AU"/>
           </a:p>
@@ -14188,7 +14821,7 @@
           <a:p>
             <a:fld id="{8B26247A-7472-427A-A495-D3E06B3E3453}" type="datetimeFigureOut">
               <a:rPr lang="en-AU" smtClean="0"/>
-              <a:t>21/04/2025</a:t>
+              <a:t>26/04/2025</a:t>
             </a:fld>
             <a:endParaRPr lang="en-AU"/>
           </a:p>
@@ -14547,7 +15180,7 @@
           <a:p>
             <a:fld id="{8B26247A-7472-427A-A495-D3E06B3E3453}" type="datetimeFigureOut">
               <a:rPr lang="en-AU" smtClean="0"/>
-              <a:t>21/04/2025</a:t>
+              <a:t>26/04/2025</a:t>
             </a:fld>
             <a:endParaRPr lang="en-AU"/>
           </a:p>
@@ -14688,7 +15321,7 @@
           <a:p>
             <a:fld id="{8B26247A-7472-427A-A495-D3E06B3E3453}" type="datetimeFigureOut">
               <a:rPr lang="en-AU" smtClean="0"/>
-              <a:t>21/04/2025</a:t>
+              <a:t>26/04/2025</a:t>
             </a:fld>
             <a:endParaRPr lang="en-AU"/>
           </a:p>
@@ -14783,7 +15416,7 @@
           <a:p>
             <a:fld id="{8B26247A-7472-427A-A495-D3E06B3E3453}" type="datetimeFigureOut">
               <a:rPr lang="en-AU" smtClean="0"/>
-              <a:t>21/04/2025</a:t>
+              <a:t>26/04/2025</a:t>
             </a:fld>
             <a:endParaRPr lang="en-AU"/>
           </a:p>
@@ -15140,7 +15773,7 @@
           <a:p>
             <a:fld id="{8B26247A-7472-427A-A495-D3E06B3E3453}" type="datetimeFigureOut">
               <a:rPr lang="en-AU" smtClean="0"/>
-              <a:t>21/04/2025</a:t>
+              <a:t>26/04/2025</a:t>
             </a:fld>
             <a:endParaRPr lang="en-AU"/>
           </a:p>
@@ -15497,7 +16130,7 @@
           <a:p>
             <a:fld id="{8B26247A-7472-427A-A495-D3E06B3E3453}" type="datetimeFigureOut">
               <a:rPr lang="en-AU" smtClean="0"/>
-              <a:t>21/04/2025</a:t>
+              <a:t>26/04/2025</a:t>
             </a:fld>
             <a:endParaRPr lang="en-AU"/>
           </a:p>
@@ -15739,7 +16372,7 @@
           <a:p>
             <a:fld id="{8B26247A-7472-427A-A495-D3E06B3E3453}" type="datetimeFigureOut">
               <a:rPr lang="en-AU" smtClean="0"/>
-              <a:t>21/04/2025</a:t>
+              <a:t>26/04/2025</a:t>
             </a:fld>
             <a:endParaRPr lang="en-AU"/>
           </a:p>
@@ -16217,7 +16850,7 @@
         </p:nvSpPr>
         <p:spPr>
           <a:xfrm>
-            <a:off x="9360975" y="4280326"/>
+            <a:off x="8557234" y="5258235"/>
             <a:ext cx="2243327" cy="1239894"/>
           </a:xfrm>
         </p:spPr>
@@ -16229,7 +16862,7 @@
           <a:p>
             <a:pPr algn="r"/>
             <a:r>
-              <a:rPr lang="en-AU" b="1" dirty="0">
+              <a:rPr lang="en-AU" sz="2800" dirty="0">
                 <a:solidFill>
                   <a:schemeClr val="bg1"/>
                 </a:solidFill>
@@ -16240,12 +16873,12 @@
           <a:p>
             <a:pPr algn="r"/>
             <a:r>
-              <a:rPr lang="en-AU" b="1" dirty="0">
+              <a:rPr lang="en-AU" sz="2800" dirty="0">
                 <a:solidFill>
                   <a:schemeClr val="bg1"/>
                 </a:solidFill>
               </a:rPr>
-              <a:t>28 April 2025</a:t>
+              <a:t>26 April 2025</a:t>
             </a:r>
           </a:p>
         </p:txBody>
@@ -16271,8 +16904,8 @@
         </p:blipFill>
         <p:spPr>
           <a:xfrm>
-            <a:off x="20" y="10"/>
-            <a:ext cx="4654277" cy="6857990"/>
+            <a:off x="0" y="3751044"/>
+            <a:ext cx="2045756" cy="3014383"/>
           </a:xfrm>
           <a:prstGeom prst="rect">
             <a:avLst/>
@@ -16293,8 +16926,8 @@
         </p:nvSpPr>
         <p:spPr>
           <a:xfrm>
-            <a:off x="4773479" y="2473293"/>
-            <a:ext cx="7206712" cy="584775"/>
+            <a:off x="1328979" y="1588158"/>
+            <a:ext cx="9540126" cy="584775"/>
           </a:xfrm>
           <a:prstGeom prst="rect">
             <a:avLst/>
@@ -16313,7 +16946,7 @@
                   <a:schemeClr val="bg1"/>
                 </a:solidFill>
               </a:rPr>
-              <a:t>Predicting Car Insurance Premiums</a:t>
+              <a:t>How Data can Drive Fairer Car Insurance Pricing</a:t>
             </a:r>
           </a:p>
         </p:txBody>
@@ -16332,8 +16965,8 @@
         </p:nvSpPr>
         <p:spPr>
           <a:xfrm>
-            <a:off x="8911525" y="64454"/>
-            <a:ext cx="2882685" cy="954107"/>
+            <a:off x="8907370" y="239463"/>
+            <a:ext cx="2882685" cy="707886"/>
           </a:xfrm>
           <a:prstGeom prst="rect">
             <a:avLst/>
@@ -16348,7 +16981,7 @@
           <a:p>
             <a:pPr algn="r"/>
             <a:r>
-              <a:rPr lang="en-AU" sz="2800" i="1" dirty="0">
+              <a:rPr lang="en-AU" sz="2000" i="1" dirty="0">
                 <a:solidFill>
                   <a:schemeClr val="bg1"/>
                 </a:solidFill>
@@ -16359,13 +16992,57 @@
           <a:p>
             <a:pPr algn="r"/>
             <a:r>
-              <a:rPr lang="en-AU" sz="2800" i="1" dirty="0">
+              <a:rPr lang="en-AU" sz="2000" i="1" dirty="0">
                 <a:solidFill>
                   <a:schemeClr val="bg1"/>
                 </a:solidFill>
               </a:rPr>
               <a:t>Mini Project 1</a:t>
             </a:r>
+          </a:p>
+        </p:txBody>
+      </p:sp>
+      <p:sp>
+        <p:nvSpPr>
+          <p:cNvPr id="6" name="TextBox 5">
+            <a:extLst>
+              <a:ext uri="{FF2B5EF4-FFF2-40B4-BE49-F238E27FC236}">
+                <a16:creationId xmlns:a16="http://schemas.microsoft.com/office/drawing/2014/main" id="{1FAE0015-249C-B05A-48AA-881927EFF533}"/>
+              </a:ext>
+            </a:extLst>
+          </p:cNvPr>
+          <p:cNvSpPr txBox="1"/>
+          <p:nvPr/>
+        </p:nvSpPr>
+        <p:spPr>
+          <a:xfrm>
+            <a:off x="2512025" y="2746665"/>
+            <a:ext cx="8460774" cy="523220"/>
+          </a:xfrm>
+          <a:prstGeom prst="rect">
+            <a:avLst/>
+          </a:prstGeom>
+          <a:noFill/>
+        </p:spPr>
+        <p:txBody>
+          <a:bodyPr wrap="square">
+            <a:spAutoFit/>
+          </a:bodyPr>
+          <a:lstStyle/>
+          <a:p>
+            <a:r>
+              <a:rPr lang="en-US" sz="2800" i="1" dirty="0">
+                <a:solidFill>
+                  <a:schemeClr val="bg1"/>
+                </a:solidFill>
+              </a:rPr>
+              <a:t>--  A Data Science Approach to Predicting Insurance Premiums</a:t>
+            </a:r>
+            <a:endParaRPr lang="en-AU" sz="2800" i="1" dirty="0">
+              <a:solidFill>
+                <a:schemeClr val="bg1"/>
+              </a:solidFill>
+            </a:endParaRPr>
           </a:p>
         </p:txBody>
       </p:sp>
@@ -16388,7 +17065,7 @@
     <p:bg>
       <p:bgPr>
         <a:solidFill>
-          <a:schemeClr val="bg1"/>
+          <a:schemeClr val="accent2"/>
         </a:solidFill>
         <a:effectLst/>
       </p:bgPr>
@@ -16548,8 +17225,8 @@
         </p:nvSpPr>
         <p:spPr>
           <a:xfrm>
-            <a:off x="131976" y="2273086"/>
-            <a:ext cx="4522322" cy="1627792"/>
+            <a:off x="408121" y="254358"/>
+            <a:ext cx="11375756" cy="1160640"/>
           </a:xfrm>
           <a:solidFill>
             <a:schemeClr val="accent2"/>
@@ -16565,9 +17242,15 @@
           <a:lstStyle/>
           <a:p>
             <a:r>
-              <a:rPr lang="en-US" sz="3600" b="1" dirty="0"/>
-              <a:t>Model Performance</a:t>
+              <a:rPr lang="en-AU" sz="3200" b="1" dirty="0">
+                <a:effectLst/>
+                <a:latin typeface="Aptos" panose="020B0004020202020204" pitchFamily="34" charset="0"/>
+                <a:ea typeface="DengXian" panose="02010600030101010101" pitchFamily="2" charset="-122"/>
+                <a:cs typeface="Times New Roman" panose="02020603050405020304" pitchFamily="18" charset="0"/>
+              </a:rPr>
+              <a:t>Model Evaluation – How Well Does It Work?</a:t>
             </a:r>
+            <a:endParaRPr lang="en-US" sz="3200" b="1" dirty="0"/>
           </a:p>
         </p:txBody>
       </p:sp>
@@ -16585,8 +17268,8 @@
         </p:nvSpPr>
         <p:spPr>
           <a:xfrm>
-            <a:off x="640078" y="4352544"/>
-            <a:ext cx="3629320" cy="775637"/>
+            <a:off x="622020" y="1512207"/>
+            <a:ext cx="3629320" cy="808364"/>
           </a:xfrm>
           <a:prstGeom prst="rect">
             <a:avLst/>
@@ -16648,14 +17331,14 @@
           <p:nvPr>
             <p:extLst>
               <p:ext uri="{D42A27DB-BD31-4B8C-83A1-F6EECF244321}">
-                <p14:modId xmlns:p14="http://schemas.microsoft.com/office/powerpoint/2010/main" val="3862970882"/>
+                <p14:modId xmlns:p14="http://schemas.microsoft.com/office/powerpoint/2010/main" val="1577740880"/>
               </p:ext>
             </p:extLst>
           </p:nvPr>
         </p:nvGraphicFramePr>
         <p:xfrm>
-          <a:off x="5294376" y="1045661"/>
-          <a:ext cx="6257546" cy="4451976"/>
+          <a:off x="207184" y="2190411"/>
+          <a:ext cx="5250187" cy="4197396"/>
         </p:xfrm>
         <a:graphic>
           <a:graphicData uri="http://schemas.openxmlformats.org/drawingml/2006/table">
@@ -16664,35 +17347,35 @@
                 <a:noFill/>
               </a:tblPr>
               <a:tblGrid>
-                <a:gridCol w="560512">
+                <a:gridCol w="470279">
                   <a:extLst>
                     <a:ext uri="{9D8B030D-6E8A-4147-A177-3AD203B41FA5}">
                       <a16:colId xmlns:a16="http://schemas.microsoft.com/office/drawing/2014/main" val="1518915440"/>
                     </a:ext>
                   </a:extLst>
                 </a:gridCol>
-                <a:gridCol w="1455272">
+                <a:gridCol w="1220998">
                   <a:extLst>
                     <a:ext uri="{9D8B030D-6E8A-4147-A177-3AD203B41FA5}">
                       <a16:colId xmlns:a16="http://schemas.microsoft.com/office/drawing/2014/main" val="1635585639"/>
                     </a:ext>
                   </a:extLst>
                 </a:gridCol>
-                <a:gridCol w="1419657">
+                <a:gridCol w="1191116">
                   <a:extLst>
                     <a:ext uri="{9D8B030D-6E8A-4147-A177-3AD203B41FA5}">
                       <a16:colId xmlns:a16="http://schemas.microsoft.com/office/drawing/2014/main" val="3065102209"/>
                     </a:ext>
                   </a:extLst>
                 </a:gridCol>
-                <a:gridCol w="1455270">
+                <a:gridCol w="1220996">
                   <a:extLst>
                     <a:ext uri="{9D8B030D-6E8A-4147-A177-3AD203B41FA5}">
                       <a16:colId xmlns:a16="http://schemas.microsoft.com/office/drawing/2014/main" val="537216998"/>
                     </a:ext>
                   </a:extLst>
                 </a:gridCol>
-                <a:gridCol w="1366835">
+                <a:gridCol w="1146798">
                   <a:extLst>
                     <a:ext uri="{9D8B030D-6E8A-4147-A177-3AD203B41FA5}">
                       <a16:colId xmlns:a16="http://schemas.microsoft.com/office/drawing/2014/main" val="2421630107"/>
@@ -16700,7 +17383,7 @@
                   </a:extLst>
                 </a:gridCol>
               </a:tblGrid>
-              <a:tr h="1030111">
+              <a:tr h="958300">
                 <a:tc>
                   <a:txBody>
                     <a:bodyPr/>
@@ -16783,7 +17466,7 @@
                     <a:p>
                       <a:pPr algn="r" fontAlgn="ctr"/>
                       <a:r>
-                        <a:rPr lang="en-AU" sz="2000" b="0" cap="none" spc="60">
+                        <a:rPr lang="en-AU" sz="2000" b="0" cap="none" spc="60" dirty="0">
                           <a:solidFill>
                             <a:schemeClr val="bg1"/>
                           </a:solidFill>
@@ -16899,7 +17582,7 @@
                   </a:ext>
                 </a:extLst>
               </a:tr>
-              <a:tr h="684373">
+              <a:tr h="630098">
                 <a:tc>
                   <a:txBody>
                     <a:bodyPr/>
@@ -17018,7 +17701,7 @@
                     <a:p>
                       <a:pPr algn="r" fontAlgn="ctr"/>
                       <a:r>
-                        <a:rPr lang="en-AU" sz="1800" cap="none" spc="0">
+                        <a:rPr lang="en-AU" sz="1800" cap="none" spc="0" dirty="0">
                           <a:solidFill>
                             <a:schemeClr val="tx1"/>
                           </a:solidFill>
@@ -17055,7 +17738,7 @@
                     <a:p>
                       <a:pPr algn="r" fontAlgn="ctr"/>
                       <a:r>
-                        <a:rPr lang="en-AU" sz="1800" cap="none" spc="0">
+                        <a:rPr lang="en-AU" sz="1800" cap="none" spc="0" dirty="0">
                           <a:solidFill>
                             <a:schemeClr val="tx1"/>
                           </a:solidFill>
@@ -17091,7 +17774,7 @@
                   </a:ext>
                 </a:extLst>
               </a:tr>
-              <a:tr h="684373">
+              <a:tr h="630098">
                 <a:tc>
                   <a:txBody>
                     <a:bodyPr/>
@@ -17303,7 +17986,7 @@
                   </a:ext>
                 </a:extLst>
               </a:tr>
-              <a:tr h="684373">
+              <a:tr h="630098">
                 <a:tc>
                   <a:txBody>
                     <a:bodyPr/>
@@ -17495,7 +18178,7 @@
                   </a:ext>
                 </a:extLst>
               </a:tr>
-              <a:tr h="684373">
+              <a:tr h="630098">
                 <a:tc>
                   <a:txBody>
                     <a:bodyPr/>
@@ -17707,7 +18390,7 @@
                   </a:ext>
                 </a:extLst>
               </a:tr>
-              <a:tr h="684373">
+              <a:tr h="630098">
                 <a:tc>
                   <a:txBody>
                     <a:bodyPr/>
@@ -17789,7 +18472,7 @@
                     <a:p>
                       <a:pPr algn="r" fontAlgn="ctr"/>
                       <a:r>
-                        <a:rPr lang="en-AU" sz="1800" cap="none" spc="0">
+                        <a:rPr lang="en-AU" sz="1800" cap="none" spc="0" dirty="0">
                           <a:solidFill>
                             <a:schemeClr val="tx1"/>
                           </a:solidFill>
@@ -17863,7 +18546,7 @@
                     <a:p>
                       <a:pPr algn="r" fontAlgn="ctr"/>
                       <a:r>
-                        <a:rPr lang="en-AU" sz="1800" cap="none" spc="0">
+                        <a:rPr lang="en-AU" sz="1800" cap="none" spc="0" dirty="0">
                           <a:solidFill>
                             <a:schemeClr val="tx1"/>
                           </a:solidFill>
@@ -17903,6 +18586,195 @@
           </a:graphicData>
         </a:graphic>
       </p:graphicFrame>
+      <p:sp>
+        <p:nvSpPr>
+          <p:cNvPr id="3" name="TextBox 2">
+            <a:extLst>
+              <a:ext uri="{FF2B5EF4-FFF2-40B4-BE49-F238E27FC236}">
+                <a16:creationId xmlns:a16="http://schemas.microsoft.com/office/drawing/2014/main" id="{0FB02986-8CC4-A2EE-B812-DED11767622A}"/>
+              </a:ext>
+            </a:extLst>
+          </p:cNvPr>
+          <p:cNvSpPr txBox="1"/>
+          <p:nvPr/>
+        </p:nvSpPr>
+        <p:spPr>
+          <a:xfrm>
+            <a:off x="5664554" y="1773464"/>
+            <a:ext cx="6320262" cy="4145750"/>
+          </a:xfrm>
+          <a:prstGeom prst="rect">
+            <a:avLst/>
+          </a:prstGeom>
+          <a:noFill/>
+        </p:spPr>
+        <p:txBody>
+          <a:bodyPr wrap="square" rtlCol="0">
+            <a:spAutoFit/>
+          </a:bodyPr>
+          <a:lstStyle/>
+          <a:p>
+            <a:pPr>
+              <a:lnSpc>
+                <a:spcPct val="115000"/>
+              </a:lnSpc>
+              <a:spcAft>
+                <a:spcPts val="800"/>
+              </a:spcAft>
+              <a:buNone/>
+            </a:pPr>
+            <a:r>
+              <a:rPr lang="en-AU" sz="2800" b="1" u="sng" kern="100" dirty="0">
+                <a:effectLst/>
+                <a:latin typeface="Aptos" panose="020B0004020202020204" pitchFamily="34" charset="0"/>
+                <a:ea typeface="DengXian" panose="02010600030101010101" pitchFamily="2" charset="-122"/>
+                <a:cs typeface="Times New Roman" panose="02020603050405020304" pitchFamily="18" charset="0"/>
+              </a:rPr>
+              <a:t>Overall Performance</a:t>
+            </a:r>
+            <a:r>
+              <a:rPr lang="en-AU" sz="2800" b="1" kern="100" dirty="0">
+                <a:effectLst/>
+                <a:latin typeface="Aptos" panose="020B0004020202020204" pitchFamily="34" charset="0"/>
+                <a:ea typeface="DengXian" panose="02010600030101010101" pitchFamily="2" charset="-122"/>
+                <a:cs typeface="Times New Roman" panose="02020603050405020304" pitchFamily="18" charset="0"/>
+              </a:rPr>
+              <a:t>:</a:t>
+            </a:r>
+            <a:endParaRPr lang="en-AU" sz="2800" kern="100" dirty="0">
+              <a:effectLst/>
+              <a:latin typeface="Aptos" panose="020B0004020202020204" pitchFamily="34" charset="0"/>
+              <a:ea typeface="DengXian" panose="02010600030101010101" pitchFamily="2" charset="-122"/>
+              <a:cs typeface="Times New Roman" panose="02020603050405020304" pitchFamily="18" charset="0"/>
+            </a:endParaRPr>
+          </a:p>
+          <a:p>
+            <a:pPr marL="285750" lvl="0" indent="-285750">
+              <a:lnSpc>
+                <a:spcPct val="115000"/>
+              </a:lnSpc>
+              <a:spcAft>
+                <a:spcPts val="800"/>
+              </a:spcAft>
+              <a:buSzPts val="1000"/>
+              <a:buFont typeface="Wingdings" panose="05000000000000000000" pitchFamily="2" charset="2"/>
+              <a:buChar char="Ø"/>
+              <a:tabLst>
+                <a:tab pos="457200" algn="l"/>
+              </a:tabLst>
+            </a:pPr>
+            <a:r>
+              <a:rPr lang="en-AU" sz="2400" kern="100" dirty="0">
+                <a:effectLst/>
+                <a:latin typeface="Aptos" panose="020B0004020202020204" pitchFamily="34" charset="0"/>
+                <a:ea typeface="DengXian" panose="02010600030101010101" pitchFamily="2" charset="-122"/>
+                <a:cs typeface="Times New Roman" panose="02020603050405020304" pitchFamily="18" charset="0"/>
+              </a:rPr>
+              <a:t>The model performs </a:t>
+            </a:r>
+            <a:r>
+              <a:rPr lang="en-AU" sz="2400" b="1" kern="100" dirty="0">
+                <a:effectLst/>
+                <a:latin typeface="Aptos" panose="020B0004020202020204" pitchFamily="34" charset="0"/>
+                <a:ea typeface="DengXian" panose="02010600030101010101" pitchFamily="2" charset="-122"/>
+                <a:cs typeface="Times New Roman" panose="02020603050405020304" pitchFamily="18" charset="0"/>
+              </a:rPr>
+              <a:t>fairly consistently</a:t>
+            </a:r>
+            <a:r>
+              <a:rPr lang="en-AU" sz="2400" kern="100" dirty="0">
+                <a:effectLst/>
+                <a:latin typeface="Aptos" panose="020B0004020202020204" pitchFamily="34" charset="0"/>
+                <a:ea typeface="DengXian" panose="02010600030101010101" pitchFamily="2" charset="-122"/>
+                <a:cs typeface="Times New Roman" panose="02020603050405020304" pitchFamily="18" charset="0"/>
+              </a:rPr>
+              <a:t> across all folds, with </a:t>
+            </a:r>
+            <a:r>
+              <a:rPr lang="en-AU" sz="2400" b="1" kern="100" dirty="0">
+                <a:effectLst/>
+                <a:latin typeface="Aptos" panose="020B0004020202020204" pitchFamily="34" charset="0"/>
+                <a:ea typeface="DengXian" panose="02010600030101010101" pitchFamily="2" charset="-122"/>
+                <a:cs typeface="Times New Roman" panose="02020603050405020304" pitchFamily="18" charset="0"/>
+              </a:rPr>
+              <a:t>relatively stable R² and RMSE values</a:t>
+            </a:r>
+            <a:r>
+              <a:rPr lang="en-AU" sz="2400" kern="100" dirty="0">
+                <a:effectLst/>
+                <a:latin typeface="Aptos" panose="020B0004020202020204" pitchFamily="34" charset="0"/>
+                <a:ea typeface="DengXian" panose="02010600030101010101" pitchFamily="2" charset="-122"/>
+                <a:cs typeface="Times New Roman" panose="02020603050405020304" pitchFamily="18" charset="0"/>
+              </a:rPr>
+              <a:t>.</a:t>
+            </a:r>
+          </a:p>
+          <a:p>
+            <a:pPr marL="342900" lvl="0" indent="-342900">
+              <a:lnSpc>
+                <a:spcPct val="115000"/>
+              </a:lnSpc>
+              <a:spcAft>
+                <a:spcPts val="800"/>
+              </a:spcAft>
+              <a:buSzPts val="1000"/>
+              <a:buFont typeface="Wingdings" panose="05000000000000000000" pitchFamily="2" charset="2"/>
+              <a:buChar char="Ø"/>
+              <a:tabLst>
+                <a:tab pos="457200" algn="l"/>
+              </a:tabLst>
+            </a:pPr>
+            <a:r>
+              <a:rPr lang="en-AU" sz="2400" kern="100" dirty="0">
+                <a:effectLst/>
+                <a:latin typeface="Aptos" panose="020B0004020202020204" pitchFamily="34" charset="0"/>
+                <a:ea typeface="DengXian" panose="02010600030101010101" pitchFamily="2" charset="-122"/>
+                <a:cs typeface="Times New Roman" panose="02020603050405020304" pitchFamily="18" charset="0"/>
+              </a:rPr>
+              <a:t>The </a:t>
+            </a:r>
+            <a:r>
+              <a:rPr lang="en-AU" sz="2400" b="1" kern="100" dirty="0">
+                <a:effectLst/>
+                <a:latin typeface="Aptos" panose="020B0004020202020204" pitchFamily="34" charset="0"/>
+                <a:ea typeface="DengXian" panose="02010600030101010101" pitchFamily="2" charset="-122"/>
+                <a:cs typeface="Times New Roman" panose="02020603050405020304" pitchFamily="18" charset="0"/>
+              </a:rPr>
+              <a:t>average test RMSE is around 3.52</a:t>
+            </a:r>
+            <a:r>
+              <a:rPr lang="en-AU" sz="2400" kern="100" dirty="0">
+                <a:effectLst/>
+                <a:latin typeface="Aptos" panose="020B0004020202020204" pitchFamily="34" charset="0"/>
+                <a:ea typeface="DengXian" panose="02010600030101010101" pitchFamily="2" charset="-122"/>
+                <a:cs typeface="Times New Roman" panose="02020603050405020304" pitchFamily="18" charset="0"/>
+              </a:rPr>
+              <a:t>, indicating the model maintains a </a:t>
+            </a:r>
+            <a:r>
+              <a:rPr lang="en-AU" sz="2400" b="1" kern="100" dirty="0">
+                <a:effectLst/>
+                <a:latin typeface="Aptos" panose="020B0004020202020204" pitchFamily="34" charset="0"/>
+                <a:ea typeface="DengXian" panose="02010600030101010101" pitchFamily="2" charset="-122"/>
+                <a:cs typeface="Times New Roman" panose="02020603050405020304" pitchFamily="18" charset="0"/>
+              </a:rPr>
+              <a:t>reliable level of accuracy</a:t>
+            </a:r>
+            <a:r>
+              <a:rPr lang="en-AU" sz="2400" kern="100" dirty="0">
+                <a:effectLst/>
+                <a:latin typeface="Aptos" panose="020B0004020202020204" pitchFamily="34" charset="0"/>
+                <a:ea typeface="DengXian" panose="02010600030101010101" pitchFamily="2" charset="-122"/>
+                <a:cs typeface="Times New Roman" panose="02020603050405020304" pitchFamily="18" charset="0"/>
+              </a:rPr>
+              <a:t> across different subsets of the data.</a:t>
+            </a:r>
+          </a:p>
+          <a:p>
+            <a:endParaRPr lang="en-AU" dirty="0"/>
+          </a:p>
+        </p:txBody>
+      </p:sp>
     </p:spTree>
     <p:extLst>
       <p:ext uri="{BB962C8B-B14F-4D97-AF65-F5344CB8AC3E}">
@@ -18001,7 +18873,7 @@
         </p:blipFill>
         <p:spPr bwMode="auto">
           <a:xfrm>
-            <a:off x="8310109" y="2190790"/>
+            <a:off x="8339138" y="1871475"/>
             <a:ext cx="3454167" cy="2717871"/>
           </a:xfrm>
           <a:prstGeom prst="rect">
@@ -18032,14 +18904,14 @@
           <p:nvPr>
             <p:extLst>
               <p:ext uri="{D42A27DB-BD31-4B8C-83A1-F6EECF244321}">
-                <p14:modId xmlns:p14="http://schemas.microsoft.com/office/powerpoint/2010/main" val="742994670"/>
+                <p14:modId xmlns:p14="http://schemas.microsoft.com/office/powerpoint/2010/main" val="3449178425"/>
               </p:ext>
             </p:extLst>
           </p:nvPr>
         </p:nvGraphicFramePr>
         <p:xfrm>
-          <a:off x="555543" y="2022298"/>
-          <a:ext cx="7419534" cy="4985980"/>
+          <a:off x="541029" y="2022298"/>
+          <a:ext cx="8327200" cy="4596216"/>
         </p:xfrm>
         <a:graphic>
           <a:graphicData uri="http://schemas.openxmlformats.org/drawingml/2006/diagram">
@@ -18273,14 +19145,14 @@
             <p:ph idx="1"/>
             <p:extLst>
               <p:ext uri="{D42A27DB-BD31-4B8C-83A1-F6EECF244321}">
-                <p14:modId xmlns:p14="http://schemas.microsoft.com/office/powerpoint/2010/main" val="1883889952"/>
+                <p14:modId xmlns:p14="http://schemas.microsoft.com/office/powerpoint/2010/main" val="3326294988"/>
               </p:ext>
             </p:extLst>
           </p:nvPr>
         </p:nvGraphicFramePr>
         <p:xfrm>
-          <a:off x="920750" y="965200"/>
-          <a:ext cx="5651500" cy="4968875"/>
+          <a:off x="556181" y="965200"/>
+          <a:ext cx="6610735" cy="5030247"/>
         </p:xfrm>
         <a:graphic>
           <a:graphicData uri="http://schemas.openxmlformats.org/drawingml/2006/diagram">
@@ -18562,6 +19434,50 @@
           </a:prstGeom>
         </p:spPr>
       </p:pic>
+      <p:sp>
+        <p:nvSpPr>
+          <p:cNvPr id="4" name="TextBox 3">
+            <a:extLst>
+              <a:ext uri="{FF2B5EF4-FFF2-40B4-BE49-F238E27FC236}">
+                <a16:creationId xmlns:a16="http://schemas.microsoft.com/office/drawing/2014/main" id="{520E985D-3D17-B36C-6162-CA7D3B9353A8}"/>
+              </a:ext>
+            </a:extLst>
+          </p:cNvPr>
+          <p:cNvSpPr txBox="1"/>
+          <p:nvPr/>
+        </p:nvSpPr>
+        <p:spPr>
+          <a:xfrm>
+            <a:off x="1440893" y="6082421"/>
+            <a:ext cx="10330193" cy="523220"/>
+          </a:xfrm>
+          <a:prstGeom prst="rect">
+            <a:avLst/>
+          </a:prstGeom>
+          <a:noFill/>
+        </p:spPr>
+        <p:txBody>
+          <a:bodyPr wrap="square" rtlCol="0">
+            <a:spAutoFit/>
+          </a:bodyPr>
+          <a:lstStyle/>
+          <a:p>
+            <a:r>
+              <a:rPr lang="en-US" sz="2800" i="1" dirty="0">
+                <a:solidFill>
+                  <a:schemeClr val="bg1"/>
+                </a:solidFill>
+              </a:rPr>
+              <a:t>Your feedback is welcome — it helps make the next iteration even better!</a:t>
+            </a:r>
+            <a:endParaRPr lang="en-AU" sz="2800" i="1" dirty="0">
+              <a:solidFill>
+                <a:schemeClr val="bg1"/>
+              </a:solidFill>
+            </a:endParaRPr>
+          </a:p>
+        </p:txBody>
+      </p:sp>
     </p:spTree>
     <p:extLst>
       <p:ext uri="{BB962C8B-B14F-4D97-AF65-F5344CB8AC3E}">
@@ -19130,13 +20046,13 @@
         </p:spPr>
         <p:txBody>
           <a:bodyPr vert="horz" lIns="182880" tIns="182880" rIns="182880" bIns="182880" rtlCol="0" anchor="ctr">
-            <a:normAutofit/>
+            <a:normAutofit fontScale="90000"/>
           </a:bodyPr>
           <a:lstStyle/>
           <a:p>
             <a:r>
               <a:rPr lang="en-US" sz="3600" b="1" dirty="0"/>
-              <a:t>Data Overview</a:t>
+              <a:t>Data Overview&amp; Data Problem</a:t>
             </a:r>
           </a:p>
         </p:txBody>
@@ -19156,7 +20072,7 @@
         <p:spPr>
           <a:xfrm>
             <a:off x="804671" y="2362488"/>
-            <a:ext cx="5300425" cy="3755508"/>
+            <a:ext cx="5300425" cy="3372485"/>
           </a:xfrm>
           <a:prstGeom prst="rect">
             <a:avLst/>
@@ -19168,7 +20084,7 @@
           </a:bodyPr>
           <a:lstStyle/>
           <a:p>
-            <a:pPr indent="-228600" defTabSz="914400">
+            <a:pPr defTabSz="914400">
               <a:lnSpc>
                 <a:spcPct val="90000"/>
               </a:lnSpc>
@@ -19178,8 +20094,6 @@
               <a:buClr>
                 <a:schemeClr val="accent2"/>
               </a:buClr>
-              <a:buFont typeface="Arial" panose="020B0604020202020204" pitchFamily="34" charset="0"/>
-              <a:buChar char="•"/>
             </a:pPr>
             <a:r>
               <a:rPr lang="en-US" sz="2000" dirty="0">
@@ -19191,7 +20105,7 @@
             </a:r>
           </a:p>
           <a:p>
-            <a:pPr indent="-228600" defTabSz="914400">
+            <a:pPr defTabSz="914400">
               <a:lnSpc>
                 <a:spcPct val="90000"/>
               </a:lnSpc>
@@ -19201,17 +20115,18 @@
               <a:buClr>
                 <a:schemeClr val="accent2"/>
               </a:buClr>
-              <a:buFont typeface="Arial" panose="020B0604020202020204" pitchFamily="34" charset="0"/>
-              <a:buChar char="•"/>
             </a:pPr>
-            <a:endParaRPr lang="en-US" sz="2000" dirty="0">
-              <a:solidFill>
-                <a:schemeClr val="bg1"/>
-              </a:solidFill>
-            </a:endParaRPr>
+            <a:r>
+              <a:rPr lang="en-US" sz="2000" dirty="0">
+                <a:solidFill>
+                  <a:schemeClr val="bg1"/>
+                </a:solidFill>
+              </a:rPr>
+              <a:t>Columns: </a:t>
+            </a:r>
           </a:p>
           <a:p>
-            <a:pPr indent="-228600" defTabSz="914400">
+            <a:pPr defTabSz="914400">
               <a:lnSpc>
                 <a:spcPct val="90000"/>
               </a:lnSpc>
@@ -19221,20 +20136,18 @@
               <a:buClr>
                 <a:schemeClr val="accent2"/>
               </a:buClr>
-              <a:buFont typeface="Arial" panose="020B0604020202020204" pitchFamily="34" charset="0"/>
-              <a:buChar char="•"/>
             </a:pPr>
             <a:r>
-              <a:rPr lang="en-US" sz="2000" dirty="0">
+              <a:rPr lang="en-US" dirty="0">
                 <a:solidFill>
                   <a:schemeClr val="bg1"/>
                 </a:solidFill>
               </a:rPr>
-              <a:t>Columns:</a:t>
+              <a:t>Driver Age, Driver Experience, Previous Accidents, Annual Mileage(x1000 km), Car Manufacturing Year, Car Age, Insurance Premium($)</a:t>
             </a:r>
           </a:p>
           <a:p>
-            <a:pPr indent="-228600" defTabSz="914400">
+            <a:pPr defTabSz="914400">
               <a:lnSpc>
                 <a:spcPct val="90000"/>
               </a:lnSpc>
@@ -19244,28 +20157,15 @@
               <a:buClr>
                 <a:schemeClr val="accent2"/>
               </a:buClr>
-              <a:buFont typeface="Arial" panose="020B0604020202020204" pitchFamily="34" charset="0"/>
-              <a:buChar char="•"/>
             </a:pPr>
-            <a:r>
-              <a:rPr lang="en-US" sz="2000" dirty="0">
-                <a:solidFill>
-                  <a:schemeClr val="bg1"/>
-                </a:solidFill>
-              </a:rPr>
-              <a:t>	</a:t>
-            </a:r>
-            <a:r>
-              <a:rPr lang="en-US" dirty="0">
-                <a:solidFill>
-                  <a:schemeClr val="bg1"/>
-                </a:solidFill>
-              </a:rPr>
-              <a:t>Driver Age</a:t>
-            </a:r>
+            <a:endParaRPr lang="en-US" dirty="0">
+              <a:solidFill>
+                <a:schemeClr val="bg1"/>
+              </a:solidFill>
+            </a:endParaRPr>
           </a:p>
           <a:p>
-            <a:pPr indent="-228600" defTabSz="914400">
+            <a:pPr defTabSz="914400">
               <a:lnSpc>
                 <a:spcPct val="90000"/>
               </a:lnSpc>
@@ -19275,20 +20175,26 @@
               <a:buClr>
                 <a:schemeClr val="accent2"/>
               </a:buClr>
-              <a:buFont typeface="Arial" panose="020B0604020202020204" pitchFamily="34" charset="0"/>
-              <a:buChar char="•"/>
             </a:pPr>
+            <a:r>
+              <a:rPr lang="en-US" sz="2000" b="1" dirty="0">
+                <a:solidFill>
+                  <a:schemeClr val="bg1"/>
+                </a:solidFill>
+              </a:rPr>
+              <a:t>Data Problem</a:t>
+            </a:r>
             <a:r>
               <a:rPr lang="en-US" dirty="0">
                 <a:solidFill>
                   <a:schemeClr val="bg1"/>
                 </a:solidFill>
               </a:rPr>
-              <a:t>	Driver Experience</a:t>
+              <a:t>:</a:t>
             </a:r>
           </a:p>
           <a:p>
-            <a:pPr indent="-228600" defTabSz="914400">
+            <a:pPr defTabSz="914400">
               <a:lnSpc>
                 <a:spcPct val="90000"/>
               </a:lnSpc>
@@ -19298,20 +20204,46 @@
               <a:buClr>
                 <a:schemeClr val="accent2"/>
               </a:buClr>
-              <a:buFont typeface="Arial" panose="020B0604020202020204" pitchFamily="34" charset="0"/>
-              <a:buChar char="•"/>
             </a:pPr>
             <a:r>
-              <a:rPr lang="en-US" dirty="0">
+              <a:rPr lang="en-AU" sz="1800" kern="100" dirty="0">
                 <a:solidFill>
                   <a:schemeClr val="bg1"/>
                 </a:solidFill>
+                <a:effectLst/>
+                <a:latin typeface="Aptos" panose="020B0004020202020204" pitchFamily="34" charset="0"/>
+                <a:ea typeface="DengXian" panose="02010600030101010101" pitchFamily="2" charset="-122"/>
+                <a:cs typeface="Times New Roman" panose="02020603050405020304" pitchFamily="18" charset="0"/>
               </a:rPr>
-              <a:t>	Previous Accidents</a:t>
+              <a:t>build a </a:t>
+            </a:r>
+            <a:r>
+              <a:rPr lang="en-AU" sz="1800" b="1" kern="100" dirty="0">
+                <a:solidFill>
+                  <a:schemeClr val="bg1"/>
+                </a:solidFill>
+                <a:effectLst/>
+                <a:latin typeface="Aptos" panose="020B0004020202020204" pitchFamily="34" charset="0"/>
+                <a:ea typeface="DengXian" panose="02010600030101010101" pitchFamily="2" charset="-122"/>
+                <a:cs typeface="Times New Roman" panose="02020603050405020304" pitchFamily="18" charset="0"/>
+              </a:rPr>
+              <a:t>predictive model</a:t>
+            </a:r>
+            <a:r>
+              <a:rPr lang="en-AU" sz="1800" kern="100" dirty="0">
+                <a:solidFill>
+                  <a:schemeClr val="bg1"/>
+                </a:solidFill>
+                <a:effectLst/>
+                <a:latin typeface="Aptos" panose="020B0004020202020204" pitchFamily="34" charset="0"/>
+                <a:ea typeface="DengXian" panose="02010600030101010101" pitchFamily="2" charset="-122"/>
+                <a:cs typeface="Times New Roman" panose="02020603050405020304" pitchFamily="18" charset="0"/>
+              </a:rPr>
+              <a:t> that can estimate car insurance premiums based on these features.</a:t>
             </a:r>
           </a:p>
           <a:p>
-            <a:pPr indent="-228600" defTabSz="914400">
+            <a:pPr defTabSz="914400">
               <a:lnSpc>
                 <a:spcPct val="90000"/>
               </a:lnSpc>
@@ -19321,86 +20253,12 @@
               <a:buClr>
                 <a:schemeClr val="accent2"/>
               </a:buClr>
-              <a:buFont typeface="Arial" panose="020B0604020202020204" pitchFamily="34" charset="0"/>
-              <a:buChar char="•"/>
             </a:pPr>
-            <a:r>
-              <a:rPr lang="en-US" dirty="0">
-                <a:solidFill>
-                  <a:schemeClr val="bg1"/>
-                </a:solidFill>
-              </a:rPr>
-              <a:t>	Annual Mileage(x1000 km)</a:t>
-            </a:r>
-          </a:p>
-          <a:p>
-            <a:pPr indent="-228600" defTabSz="914400">
-              <a:lnSpc>
-                <a:spcPct val="90000"/>
-              </a:lnSpc>
-              <a:spcBef>
-                <a:spcPts val="1000"/>
-              </a:spcBef>
-              <a:buClr>
-                <a:schemeClr val="accent2"/>
-              </a:buClr>
-              <a:buFont typeface="Arial" panose="020B0604020202020204" pitchFamily="34" charset="0"/>
-              <a:buChar char="•"/>
-            </a:pPr>
-            <a:r>
-              <a:rPr lang="en-US" dirty="0">
-                <a:solidFill>
-                  <a:schemeClr val="bg1"/>
-                </a:solidFill>
-              </a:rPr>
-              <a:t>	Car Manufacturing Year</a:t>
-            </a:r>
-          </a:p>
-          <a:p>
-            <a:pPr indent="-228600" defTabSz="914400">
-              <a:lnSpc>
-                <a:spcPct val="90000"/>
-              </a:lnSpc>
-              <a:spcBef>
-                <a:spcPts val="1000"/>
-              </a:spcBef>
-              <a:buClr>
-                <a:schemeClr val="accent2"/>
-              </a:buClr>
-              <a:buFont typeface="Arial" panose="020B0604020202020204" pitchFamily="34" charset="0"/>
-              <a:buChar char="•"/>
-            </a:pPr>
-            <a:r>
-              <a:rPr lang="en-US" dirty="0">
-                <a:solidFill>
-                  <a:schemeClr val="bg1"/>
-                </a:solidFill>
-              </a:rPr>
-              <a:t>	Car Age</a:t>
-            </a:r>
-          </a:p>
-          <a:p>
-            <a:pPr indent="-228600" defTabSz="914400">
-              <a:lnSpc>
-                <a:spcPct val="90000"/>
-              </a:lnSpc>
-              <a:spcBef>
-                <a:spcPts val="1000"/>
-              </a:spcBef>
-              <a:buClr>
-                <a:schemeClr val="accent2"/>
-              </a:buClr>
-              <a:buFont typeface="Arial" panose="020B0604020202020204" pitchFamily="34" charset="0"/>
-              <a:buChar char="•"/>
-            </a:pPr>
-            <a:r>
-              <a:rPr lang="en-US" dirty="0">
-                <a:solidFill>
-                  <a:schemeClr val="bg1"/>
-                </a:solidFill>
-              </a:rPr>
-              <a:t>	Insurance Premium($)</a:t>
-            </a:r>
+            <a:endParaRPr lang="en-US" dirty="0">
+              <a:solidFill>
+                <a:schemeClr val="bg1"/>
+              </a:solidFill>
+            </a:endParaRPr>
           </a:p>
         </p:txBody>
       </p:sp>
@@ -19826,10 +20684,10 @@
       </p:grpSpPr>
       <p:sp>
         <p:nvSpPr>
-          <p:cNvPr id="3079" name="Rectangle 3078">
+          <p:cNvPr id="3093" name="Rectangle 3092">
             <a:extLst>
               <a:ext uri="{FF2B5EF4-FFF2-40B4-BE49-F238E27FC236}">
-                <a16:creationId xmlns:a16="http://schemas.microsoft.com/office/drawing/2014/main" id="{CF4680D4-DEE2-49EE-AF90-EFEAF50AEC23}"/>
+                <a16:creationId xmlns:a16="http://schemas.microsoft.com/office/drawing/2014/main" id="{8E1D4842-F208-47E0-A3A4-6469A9F04595}"/>
               </a:ext>
               <a:ext uri="{C183D7F6-B498-43B3-948B-1728B52AA6E4}">
                 <adec:decorative xmlns:adec="http://schemas.microsoft.com/office/drawing/2017/decorative" val="1"/>
@@ -19905,24 +20763,26 @@
         </p:nvSpPr>
         <p:spPr>
           <a:xfrm>
-            <a:off x="806196" y="496416"/>
-            <a:ext cx="5291327" cy="1504447"/>
+            <a:off x="804673" y="295507"/>
+            <a:ext cx="5291327" cy="1188720"/>
           </a:xfrm>
           <a:solidFill>
-            <a:schemeClr val="accent2"/>
+            <a:srgbClr val="FFFFFF"/>
           </a:solidFill>
           <a:ln>
-            <a:noFill/>
+            <a:solidFill>
+              <a:srgbClr val="404040"/>
+            </a:solidFill>
           </a:ln>
         </p:spPr>
         <p:txBody>
           <a:bodyPr vert="horz" lIns="182880" tIns="182880" rIns="182880" bIns="182880" rtlCol="0" anchor="ctr">
-            <a:noAutofit/>
+            <a:normAutofit/>
           </a:bodyPr>
           <a:lstStyle/>
           <a:p>
             <a:r>
-              <a:rPr lang="en-US" sz="3600" b="1" dirty="0"/>
+              <a:rPr lang="en-US" sz="2800" b="1" dirty="0"/>
               <a:t>Exploratory Data Analysis (EDA)</a:t>
             </a:r>
           </a:p>
@@ -19942,8 +20802,8 @@
         </p:nvSpPr>
         <p:spPr>
           <a:xfrm>
-            <a:off x="795573" y="2217680"/>
-            <a:ext cx="5291327" cy="3517293"/>
+            <a:off x="507077" y="1630957"/>
+            <a:ext cx="6122323" cy="2930976"/>
           </a:xfrm>
           <a:prstGeom prst="rect">
             <a:avLst/>
@@ -19951,7 +20811,7 @@
         </p:spPr>
         <p:txBody>
           <a:bodyPr vert="horz" lIns="91440" tIns="45720" rIns="91440" bIns="45720" rtlCol="0">
-            <a:noAutofit/>
+            <a:normAutofit lnSpcReduction="10000"/>
           </a:bodyPr>
           <a:lstStyle/>
           <a:p>
@@ -19969,21 +20829,18 @@
               <a:buChar char="•"/>
             </a:pPr>
             <a:r>
-              <a:rPr lang="en-US" sz="2000" b="1" u="sng" dirty="0">
+              <a:rPr lang="en-US" b="1" u="sng" dirty="0">
                 <a:solidFill>
                   <a:schemeClr val="bg1"/>
                 </a:solidFill>
               </a:rPr>
-              <a:t>Correlation:</a:t>
+              <a:t>Correlation   (each feature vs Insurance Premium) :</a:t>
             </a:r>
-            <a:r>
-              <a:rPr lang="en-US" sz="2000" dirty="0">
-                <a:solidFill>
-                  <a:schemeClr val="bg1"/>
-                </a:solidFill>
-              </a:rPr>
-              <a:t> </a:t>
-            </a:r>
+            <a:endParaRPr lang="en-US" dirty="0">
+              <a:solidFill>
+                <a:schemeClr val="bg1"/>
+              </a:solidFill>
+            </a:endParaRPr>
           </a:p>
           <a:p>
             <a:pPr indent="-228600" defTabSz="914400">
@@ -20000,10 +20857,13 @@
               <a:buChar char="•"/>
             </a:pPr>
             <a:r>
-              <a:rPr lang="en-US" sz="2000" dirty="0">
+              <a:rPr lang="en-US" b="1" dirty="0">
                 <a:solidFill>
                   <a:schemeClr val="bg1"/>
                 </a:solidFill>
+                <a:highlight>
+                  <a:srgbClr val="FFFF00"/>
+                </a:highlight>
               </a:rPr>
               <a:t>Driver Experience           	-0.803323</a:t>
             </a:r>
@@ -20023,7 +20883,7 @@
               <a:buChar char="•"/>
             </a:pPr>
             <a:r>
-              <a:rPr lang="en-US" sz="2000" dirty="0">
+              <a:rPr lang="en-US" b="1" dirty="0">
                 <a:solidFill>
                   <a:schemeClr val="bg1"/>
                 </a:solidFill>
@@ -20046,12 +20906,12 @@
               <a:buChar char="•"/>
             </a:pPr>
             <a:r>
-              <a:rPr lang="en-US" sz="2000" dirty="0">
+              <a:rPr lang="en-US" dirty="0">
                 <a:solidFill>
                   <a:schemeClr val="bg1"/>
                 </a:solidFill>
               </a:rPr>
-              <a:t>Car Manufacturing Year     	 -0.171829</a:t>
+              <a:t>Car Manufacturing Year     		 -0.171829</a:t>
             </a:r>
           </a:p>
           <a:p>
@@ -20069,7 +20929,7 @@
               <a:buChar char="•"/>
             </a:pPr>
             <a:r>
-              <a:rPr lang="en-US" sz="2000" dirty="0">
+              <a:rPr lang="en-US" dirty="0">
                 <a:solidFill>
                   <a:schemeClr val="bg1"/>
                 </a:solidFill>
@@ -20092,7 +20952,7 @@
               <a:buChar char="•"/>
             </a:pPr>
             <a:r>
-              <a:rPr lang="en-US" sz="2000" dirty="0">
+              <a:rPr lang="en-US" dirty="0">
                 <a:solidFill>
                   <a:schemeClr val="bg1"/>
                 </a:solidFill>
@@ -20115,12 +20975,12 @@
               <a:buChar char="•"/>
             </a:pPr>
             <a:r>
-              <a:rPr lang="en-US" sz="2000" dirty="0">
+              <a:rPr lang="en-US" dirty="0">
                 <a:solidFill>
                   <a:schemeClr val="bg1"/>
                 </a:solidFill>
               </a:rPr>
-              <a:t>Previous Accidents           	0.410786</a:t>
+              <a:t>Previous Accidents           		0.410786</a:t>
             </a:r>
           </a:p>
           <a:p>
@@ -20138,7 +20998,7 @@
               <a:buChar char="•"/>
             </a:pPr>
             <a:r>
-              <a:rPr lang="en-US" sz="2000" dirty="0">
+              <a:rPr lang="en-US" dirty="0">
                 <a:solidFill>
                   <a:schemeClr val="bg1"/>
                 </a:solidFill>
@@ -20148,139 +21008,41 @@
           </a:p>
         </p:txBody>
       </p:sp>
-      <p:sp>
-        <p:nvSpPr>
-          <p:cNvPr id="3081" name="Rectangle 3080">
+      <p:pic>
+        <p:nvPicPr>
+          <p:cNvPr id="4" name="Picture 3" descr="A screenshot of a computer&#10;&#10;AI-generated content may be incorrect.">
             <a:extLst>
               <a:ext uri="{FF2B5EF4-FFF2-40B4-BE49-F238E27FC236}">
-                <a16:creationId xmlns:a16="http://schemas.microsoft.com/office/drawing/2014/main" id="{50C52EE1-5085-4960-AD29-A926E62ECC9F}"/>
-              </a:ext>
-              <a:ext uri="{C183D7F6-B498-43B3-948B-1728B52AA6E4}">
-                <adec:decorative xmlns:adec="http://schemas.microsoft.com/office/drawing/2017/decorative" val="1"/>
+                <a16:creationId xmlns:a16="http://schemas.microsoft.com/office/drawing/2014/main" id="{AF52138B-03D6-F164-2C43-A2840A6B16F7}"/>
               </a:ext>
             </a:extLst>
           </p:cNvPr>
-          <p:cNvSpPr>
-            <a:spLocks noGrp="1" noRot="1" noChangeAspect="1" noMove="1" noResize="1" noEditPoints="1" noAdjustHandles="1" noChangeArrowheads="1" noChangeShapeType="1" noTextEdit="1"/>
-          </p:cNvSpPr>
-          <p:nvPr>
-            <p:extLst>
-              <p:ext uri="{386F3935-93C4-4BCD-93E2-E3B085C9AB24}">
-                <p16:designElem xmlns:p16="http://schemas.microsoft.com/office/powerpoint/2015/main" val="1"/>
-              </p:ext>
-            </p:extLst>
-          </p:nvPr>
-        </p:nvSpPr>
+          <p:cNvPicPr>
+            <a:picLocks noChangeAspect="1"/>
+          </p:cNvPicPr>
+          <p:nvPr/>
+        </p:nvPicPr>
+        <p:blipFill>
+          <a:blip r:embed="rId2"/>
+          <a:srcRect l="7357" r="1609" b="-1"/>
+          <a:stretch/>
+        </p:blipFill>
         <p:spPr>
           <a:xfrm>
-            <a:off x="7534656" y="640080"/>
-            <a:ext cx="4017264" cy="5261170"/>
+            <a:off x="7251899" y="369332"/>
+            <a:ext cx="3695499" cy="2384145"/>
           </a:xfrm>
           <a:prstGeom prst="rect">
             <a:avLst/>
           </a:prstGeom>
-          <a:noFill/>
-          <a:ln w="31750" cap="sq">
-            <a:solidFill>
-              <a:srgbClr val="FFFFFF"/>
-            </a:solidFill>
-            <a:miter lim="800000"/>
-          </a:ln>
         </p:spPr>
-        <p:style>
-          <a:lnRef idx="2">
-            <a:schemeClr val="accent1">
-              <a:shade val="50000"/>
-            </a:schemeClr>
-          </a:lnRef>
-          <a:fillRef idx="1">
-            <a:schemeClr val="accent1"/>
-          </a:fillRef>
-          <a:effectRef idx="0">
-            <a:schemeClr val="accent1"/>
-          </a:effectRef>
-          <a:fontRef idx="minor">
-            <a:schemeClr val="lt1"/>
-          </a:fontRef>
-        </p:style>
-        <p:txBody>
-          <a:bodyPr rtlCol="0" anchor="ctr"/>
-          <a:lstStyle/>
-          <a:p>
-            <a:pPr algn="ctr"/>
-            <a:endParaRPr lang="en-US" dirty="0"/>
-          </a:p>
-        </p:txBody>
-      </p:sp>
-      <p:sp>
-        <p:nvSpPr>
-          <p:cNvPr id="3083" name="Rectangle 3082">
+      </p:pic>
+      <p:pic>
+        <p:nvPicPr>
+          <p:cNvPr id="1030" name="Picture 6">
             <a:extLst>
               <a:ext uri="{FF2B5EF4-FFF2-40B4-BE49-F238E27FC236}">
-                <a16:creationId xmlns:a16="http://schemas.microsoft.com/office/drawing/2014/main" id="{CD15AA94-C237-4412-B37B-EB317D2B05B7}"/>
-              </a:ext>
-              <a:ext uri="{C183D7F6-B498-43B3-948B-1728B52AA6E4}">
-                <adec:decorative xmlns:adec="http://schemas.microsoft.com/office/drawing/2017/decorative" val="1"/>
-              </a:ext>
-            </a:extLst>
-          </p:cNvPr>
-          <p:cNvSpPr>
-            <a:spLocks noGrp="1" noRot="1" noChangeAspect="1" noMove="1" noResize="1" noEditPoints="1" noAdjustHandles="1" noChangeArrowheads="1" noChangeShapeType="1" noTextEdit="1"/>
-          </p:cNvSpPr>
-          <p:nvPr>
-            <p:extLst>
-              <p:ext uri="{386F3935-93C4-4BCD-93E2-E3B085C9AB24}">
-                <p16:designElem xmlns:p16="http://schemas.microsoft.com/office/powerpoint/2015/main" val="1"/>
-              </p:ext>
-            </p:extLst>
-          </p:nvPr>
-        </p:nvSpPr>
-        <p:spPr>
-          <a:xfrm>
-            <a:off x="7700772" y="806357"/>
-            <a:ext cx="3685032" cy="4928616"/>
-          </a:xfrm>
-          <a:prstGeom prst="rect">
-            <a:avLst/>
-          </a:prstGeom>
-          <a:solidFill>
-            <a:srgbClr val="FFFFFF"/>
-          </a:solidFill>
-          <a:ln>
-            <a:noFill/>
-          </a:ln>
-        </p:spPr>
-        <p:style>
-          <a:lnRef idx="2">
-            <a:schemeClr val="accent1">
-              <a:shade val="50000"/>
-            </a:schemeClr>
-          </a:lnRef>
-          <a:fillRef idx="1">
-            <a:schemeClr val="accent1"/>
-          </a:fillRef>
-          <a:effectRef idx="0">
-            <a:schemeClr val="accent1"/>
-          </a:effectRef>
-          <a:fontRef idx="minor">
-            <a:schemeClr val="lt1"/>
-          </a:fontRef>
-        </p:style>
-        <p:txBody>
-          <a:bodyPr rtlCol="0" anchor="ctr"/>
-          <a:lstStyle/>
-          <a:p>
-            <a:pPr algn="ctr"/>
-            <a:endParaRPr lang="en-US"/>
-          </a:p>
-        </p:txBody>
-      </p:sp>
-      <p:pic>
-        <p:nvPicPr>
-          <p:cNvPr id="3074" name="Picture 2" descr="A chart of data with many different numbers&#10;&#10;AI-generated content may be incorrect.">
-            <a:extLst>
-              <a:ext uri="{FF2B5EF4-FFF2-40B4-BE49-F238E27FC236}">
-                <a16:creationId xmlns:a16="http://schemas.microsoft.com/office/drawing/2014/main" id="{2BD3BA22-E5CD-E2C9-F74B-823F14921B9C}"/>
+                <a16:creationId xmlns:a16="http://schemas.microsoft.com/office/drawing/2014/main" id="{CED295A5-3191-1E98-431E-FA0FF0AEBD8C}"/>
               </a:ext>
             </a:extLst>
           </p:cNvPr>
@@ -20290,21 +21052,22 @@
           <p:nvPr/>
         </p:nvPicPr>
         <p:blipFill>
-          <a:blip r:embed="rId2">
+          <a:blip r:embed="rId3">
             <a:extLst>
               <a:ext uri="{28A0092B-C50C-407E-A947-70E740481C1C}">
                 <a14:useLocalDpi xmlns:a14="http://schemas.microsoft.com/office/drawing/2010/main" val="0"/>
               </a:ext>
             </a:extLst>
           </a:blip>
+          <a:srcRect/>
           <a:stretch>
             <a:fillRect/>
           </a:stretch>
         </p:blipFill>
         <p:spPr bwMode="auto">
           <a:xfrm>
-            <a:off x="7865364" y="1592741"/>
-            <a:ext cx="3355848" cy="3355848"/>
+            <a:off x="7385149" y="3428998"/>
+            <a:ext cx="3429000" cy="3429000"/>
           </a:xfrm>
           <a:prstGeom prst="rect">
             <a:avLst/>
@@ -20321,6 +21084,193 @@
           </a:extLst>
         </p:spPr>
       </p:pic>
+      <p:sp>
+        <p:nvSpPr>
+          <p:cNvPr id="5" name="TextBox 4">
+            <a:extLst>
+              <a:ext uri="{FF2B5EF4-FFF2-40B4-BE49-F238E27FC236}">
+                <a16:creationId xmlns:a16="http://schemas.microsoft.com/office/drawing/2014/main" id="{6423FB94-A1E8-BFFB-13ED-E0C5D47EAB2E}"/>
+              </a:ext>
+            </a:extLst>
+          </p:cNvPr>
+          <p:cNvSpPr txBox="1"/>
+          <p:nvPr/>
+        </p:nvSpPr>
+        <p:spPr>
+          <a:xfrm>
+            <a:off x="7105750" y="0"/>
+            <a:ext cx="4289059" cy="369332"/>
+          </a:xfrm>
+          <a:prstGeom prst="rect">
+            <a:avLst/>
+          </a:prstGeom>
+          <a:noFill/>
+        </p:spPr>
+        <p:txBody>
+          <a:bodyPr wrap="none" rtlCol="0">
+            <a:spAutoFit/>
+          </a:bodyPr>
+          <a:lstStyle/>
+          <a:p>
+            <a:r>
+              <a:rPr lang="en-AU" dirty="0" err="1"/>
+              <a:t>Corraltion</a:t>
+            </a:r>
+            <a:r>
+              <a:rPr lang="en-AU" dirty="0"/>
+              <a:t>: Driver Age vs Driver Experience</a:t>
+            </a:r>
+          </a:p>
+        </p:txBody>
+      </p:sp>
+      <p:sp>
+        <p:nvSpPr>
+          <p:cNvPr id="6" name="TextBox 5">
+            <a:extLst>
+              <a:ext uri="{FF2B5EF4-FFF2-40B4-BE49-F238E27FC236}">
+                <a16:creationId xmlns:a16="http://schemas.microsoft.com/office/drawing/2014/main" id="{36398CB0-9175-80F0-27CA-EBC27D9D74EC}"/>
+              </a:ext>
+            </a:extLst>
+          </p:cNvPr>
+          <p:cNvSpPr txBox="1"/>
+          <p:nvPr/>
+        </p:nvSpPr>
+        <p:spPr>
+          <a:xfrm>
+            <a:off x="7385149" y="3059666"/>
+            <a:ext cx="2186624" cy="369332"/>
+          </a:xfrm>
+          <a:prstGeom prst="rect">
+            <a:avLst/>
+          </a:prstGeom>
+          <a:noFill/>
+        </p:spPr>
+        <p:txBody>
+          <a:bodyPr wrap="none" rtlCol="0">
+            <a:spAutoFit/>
+          </a:bodyPr>
+          <a:lstStyle/>
+          <a:p>
+            <a:r>
+              <a:rPr lang="en-AU" sz="1800" dirty="0">
+                <a:effectLst/>
+                <a:latin typeface="Aptos" panose="020B0004020202020204" pitchFamily="34" charset="0"/>
+                <a:ea typeface="DengXian" panose="02010600030101010101" pitchFamily="2" charset="-122"/>
+                <a:cs typeface="Times New Roman" panose="02020603050405020304" pitchFamily="18" charset="0"/>
+              </a:rPr>
+              <a:t>pairwise plot matrix </a:t>
+            </a:r>
+            <a:endParaRPr lang="en-AU" dirty="0"/>
+          </a:p>
+        </p:txBody>
+      </p:sp>
+      <p:sp>
+        <p:nvSpPr>
+          <p:cNvPr id="7" name="TextBox 6">
+            <a:extLst>
+              <a:ext uri="{FF2B5EF4-FFF2-40B4-BE49-F238E27FC236}">
+                <a16:creationId xmlns:a16="http://schemas.microsoft.com/office/drawing/2014/main" id="{9FD2968C-21C9-41DC-9FE9-E52A1AB47E91}"/>
+              </a:ext>
+            </a:extLst>
+          </p:cNvPr>
+          <p:cNvSpPr txBox="1"/>
+          <p:nvPr/>
+        </p:nvSpPr>
+        <p:spPr>
+          <a:xfrm>
+            <a:off x="375824" y="4716096"/>
+            <a:ext cx="6122323" cy="1754326"/>
+          </a:xfrm>
+          <a:prstGeom prst="rect">
+            <a:avLst/>
+          </a:prstGeom>
+          <a:noFill/>
+        </p:spPr>
+        <p:txBody>
+          <a:bodyPr wrap="square" rtlCol="0">
+            <a:spAutoFit/>
+          </a:bodyPr>
+          <a:lstStyle/>
+          <a:p>
+            <a:pPr marL="285750" indent="-285750">
+              <a:buFont typeface="Wingdings" panose="05000000000000000000" pitchFamily="2" charset="2"/>
+              <a:buChar char="Ø"/>
+            </a:pPr>
+            <a:r>
+              <a:rPr lang="en-AU" b="1" dirty="0">
+                <a:solidFill>
+                  <a:schemeClr val="bg1"/>
+                </a:solidFill>
+                <a:latin typeface="Aptos" panose="020B0004020202020204" pitchFamily="34" charset="0"/>
+                <a:ea typeface="DengXian" panose="02010600030101010101" pitchFamily="2" charset="-122"/>
+                <a:cs typeface="Times New Roman" panose="02020603050405020304" pitchFamily="18" charset="0"/>
+              </a:rPr>
+              <a:t>D</a:t>
+            </a:r>
+            <a:r>
+              <a:rPr lang="en-AU" sz="1800" b="1" dirty="0">
+                <a:solidFill>
+                  <a:schemeClr val="bg1"/>
+                </a:solidFill>
+                <a:effectLst/>
+                <a:latin typeface="Aptos" panose="020B0004020202020204" pitchFamily="34" charset="0"/>
+                <a:ea typeface="DengXian" panose="02010600030101010101" pitchFamily="2" charset="-122"/>
+                <a:cs typeface="Times New Roman" panose="02020603050405020304" pitchFamily="18" charset="0"/>
+              </a:rPr>
+              <a:t>river experience and driver age are the most strongly correlated with insurance premiums, both negatively</a:t>
+            </a:r>
+          </a:p>
+          <a:p>
+            <a:pPr marL="285750" indent="-285750">
+              <a:buFont typeface="Wingdings" panose="05000000000000000000" pitchFamily="2" charset="2"/>
+              <a:buChar char="Ø"/>
+            </a:pPr>
+            <a:endParaRPr lang="en-AU" sz="1800" b="1" dirty="0">
+              <a:solidFill>
+                <a:schemeClr val="bg1"/>
+              </a:solidFill>
+              <a:effectLst/>
+              <a:latin typeface="Aptos" panose="020B0004020202020204" pitchFamily="34" charset="0"/>
+              <a:ea typeface="DengXian" panose="02010600030101010101" pitchFamily="2" charset="-122"/>
+              <a:cs typeface="Times New Roman" panose="02020603050405020304" pitchFamily="18" charset="0"/>
+            </a:endParaRPr>
+          </a:p>
+          <a:p>
+            <a:pPr marL="285750" indent="-285750">
+              <a:buFont typeface="Wingdings" panose="05000000000000000000" pitchFamily="2" charset="2"/>
+              <a:buChar char="Ø"/>
+            </a:pPr>
+            <a:r>
+              <a:rPr lang="en-AU" sz="1800" b="1" dirty="0">
+                <a:solidFill>
+                  <a:schemeClr val="bg1"/>
+                </a:solidFill>
+                <a:effectLst/>
+                <a:latin typeface="Aptos" panose="020B0004020202020204" pitchFamily="34" charset="0"/>
+                <a:ea typeface="DengXian" panose="02010600030101010101" pitchFamily="2" charset="-122"/>
+                <a:cs typeface="Times New Roman" panose="02020603050405020304" pitchFamily="18" charset="0"/>
+              </a:rPr>
+              <a:t>Driver age and driver experience are positively correlated with each other</a:t>
+            </a:r>
+            <a:endParaRPr lang="en-AU" b="1" dirty="0">
+              <a:solidFill>
+                <a:schemeClr val="bg1"/>
+              </a:solidFill>
+            </a:endParaRPr>
+          </a:p>
+          <a:p>
+            <a:pPr marL="285750" indent="-285750">
+              <a:buFont typeface="Wingdings" panose="05000000000000000000" pitchFamily="2" charset="2"/>
+              <a:buChar char="Ø"/>
+            </a:pPr>
+            <a:endParaRPr lang="en-AU" b="1" dirty="0">
+              <a:solidFill>
+                <a:schemeClr val="bg1"/>
+              </a:solidFill>
+            </a:endParaRPr>
+          </a:p>
+        </p:txBody>
+      </p:sp>
     </p:spTree>
     <p:extLst>
       <p:ext uri="{BB962C8B-B14F-4D97-AF65-F5344CB8AC3E}">
@@ -20532,8 +21482,8 @@
         </p:nvSpPr>
         <p:spPr>
           <a:xfrm>
-            <a:off x="1451728" y="4352543"/>
-            <a:ext cx="8045078" cy="2300287"/>
+            <a:off x="653141" y="4910068"/>
+            <a:ext cx="4231849" cy="1645920"/>
           </a:xfrm>
         </p:spPr>
         <p:txBody>
@@ -20587,15 +21537,11 @@
           </a:p>
           <a:p>
             <a:pPr algn="l"/>
-            <a:r>
-              <a:rPr lang="en-US" sz="9600" dirty="0">
-                <a:solidFill>
-                  <a:schemeClr val="bg1"/>
-                </a:solidFill>
-              </a:rPr>
-              <a:t>Driver Experience significantly affects car insurance premiums.</a:t>
-            </a:r>
-            <a:endParaRPr lang="en-AU" dirty="0"/>
+            <a:endParaRPr lang="en-US" sz="9600" dirty="0">
+              <a:solidFill>
+                <a:schemeClr val="bg1"/>
+              </a:solidFill>
+            </a:endParaRPr>
           </a:p>
         </p:txBody>
       </p:sp>
@@ -20628,7 +21574,7 @@
         </p:blipFill>
         <p:spPr bwMode="auto">
           <a:xfrm>
-            <a:off x="5040261" y="380527"/>
+            <a:off x="5243461" y="1464490"/>
             <a:ext cx="6227542" cy="3437603"/>
           </a:xfrm>
           <a:prstGeom prst="rect">
@@ -20675,7 +21621,7 @@
         </p:blipFill>
         <p:spPr bwMode="auto">
           <a:xfrm>
-            <a:off x="1059609" y="497400"/>
+            <a:off x="1105264" y="1464490"/>
             <a:ext cx="3327605" cy="3320730"/>
           </a:xfrm>
           <a:prstGeom prst="rect">
@@ -20693,6 +21639,203 @@
           </a:extLst>
         </p:spPr>
       </p:pic>
+      <p:sp>
+        <p:nvSpPr>
+          <p:cNvPr id="4" name="Title 1">
+            <a:extLst>
+              <a:ext uri="{FF2B5EF4-FFF2-40B4-BE49-F238E27FC236}">
+                <a16:creationId xmlns:a16="http://schemas.microsoft.com/office/drawing/2014/main" id="{DA11F80A-6DF5-5F87-4EBC-00FA3BB7FC24}"/>
+              </a:ext>
+            </a:extLst>
+          </p:cNvPr>
+          <p:cNvSpPr>
+            <a:spLocks noGrp="1"/>
+          </p:cNvSpPr>
+          <p:nvPr>
+            <p:ph type="ctrTitle"/>
+          </p:nvPr>
+        </p:nvSpPr>
+        <p:spPr>
+          <a:xfrm>
+            <a:off x="1748185" y="60291"/>
+            <a:ext cx="8905301" cy="1404199"/>
+          </a:xfrm>
+          <a:solidFill>
+            <a:schemeClr val="accent2"/>
+          </a:solidFill>
+          <a:ln>
+            <a:noFill/>
+          </a:ln>
+        </p:spPr>
+        <p:txBody>
+          <a:bodyPr>
+            <a:normAutofit fontScale="90000"/>
+          </a:bodyPr>
+          <a:lstStyle/>
+          <a:p>
+            <a:r>
+              <a:rPr lang="en-AU" dirty="0"/>
+              <a:t> </a:t>
+            </a:r>
+            <a:r>
+              <a:rPr lang="en-AU" b="1" dirty="0"/>
+              <a:t>Hypothesis Testing – RESULTS &amp; VISUALIZATION</a:t>
+            </a:r>
+          </a:p>
+        </p:txBody>
+      </p:sp>
+      <p:sp>
+        <p:nvSpPr>
+          <p:cNvPr id="5" name="TextBox 4">
+            <a:extLst>
+              <a:ext uri="{FF2B5EF4-FFF2-40B4-BE49-F238E27FC236}">
+                <a16:creationId xmlns:a16="http://schemas.microsoft.com/office/drawing/2014/main" id="{2F5E74AF-D0FC-49E4-ADDC-F212B2B0F816}"/>
+              </a:ext>
+            </a:extLst>
+          </p:cNvPr>
+          <p:cNvSpPr txBox="1"/>
+          <p:nvPr/>
+        </p:nvSpPr>
+        <p:spPr>
+          <a:xfrm>
+            <a:off x="4884990" y="4804732"/>
+            <a:ext cx="7829521" cy="2642775"/>
+          </a:xfrm>
+          <a:prstGeom prst="rect">
+            <a:avLst/>
+          </a:prstGeom>
+          <a:noFill/>
+        </p:spPr>
+        <p:txBody>
+          <a:bodyPr wrap="square" rtlCol="0">
+            <a:spAutoFit/>
+          </a:bodyPr>
+          <a:lstStyle/>
+          <a:p>
+            <a:pPr>
+              <a:lnSpc>
+                <a:spcPct val="115000"/>
+              </a:lnSpc>
+              <a:spcAft>
+                <a:spcPts val="800"/>
+              </a:spcAft>
+              <a:buNone/>
+            </a:pPr>
+            <a:r>
+              <a:rPr lang="en-AU" sz="2400" b="1" kern="100" dirty="0">
+                <a:solidFill>
+                  <a:schemeClr val="bg1"/>
+                </a:solidFill>
+                <a:effectLst/>
+                <a:highlight>
+                  <a:srgbClr val="FFFF00"/>
+                </a:highlight>
+                <a:latin typeface="Aptos" panose="020B0004020202020204" pitchFamily="34" charset="0"/>
+                <a:ea typeface="DengXian" panose="02010600030101010101" pitchFamily="2" charset="-122"/>
+                <a:cs typeface="Times New Roman" panose="02020603050405020304" pitchFamily="18" charset="0"/>
+              </a:rPr>
+              <a:t>Conclusion:</a:t>
+            </a:r>
+            <a:endParaRPr lang="en-AU" sz="2400" kern="100" dirty="0">
+              <a:solidFill>
+                <a:schemeClr val="bg1"/>
+              </a:solidFill>
+              <a:effectLst/>
+              <a:highlight>
+                <a:srgbClr val="FFFF00"/>
+              </a:highlight>
+              <a:latin typeface="Aptos" panose="020B0004020202020204" pitchFamily="34" charset="0"/>
+              <a:ea typeface="DengXian" panose="02010600030101010101" pitchFamily="2" charset="-122"/>
+              <a:cs typeface="Times New Roman" panose="02020603050405020304" pitchFamily="18" charset="0"/>
+            </a:endParaRPr>
+          </a:p>
+          <a:p>
+            <a:pPr>
+              <a:lnSpc>
+                <a:spcPct val="115000"/>
+              </a:lnSpc>
+              <a:spcAft>
+                <a:spcPts val="800"/>
+              </a:spcAft>
+            </a:pPr>
+            <a:r>
+              <a:rPr lang="en-AU" sz="2400" kern="100" dirty="0">
+                <a:solidFill>
+                  <a:schemeClr val="bg1"/>
+                </a:solidFill>
+                <a:effectLst/>
+                <a:latin typeface="Aptos" panose="020B0004020202020204" pitchFamily="34" charset="0"/>
+                <a:ea typeface="DengXian" panose="02010600030101010101" pitchFamily="2" charset="-122"/>
+                <a:cs typeface="Times New Roman" panose="02020603050405020304" pitchFamily="18" charset="0"/>
+              </a:rPr>
+              <a:t>There is </a:t>
+            </a:r>
+            <a:r>
+              <a:rPr lang="en-AU" sz="2400" b="1" kern="100" dirty="0">
+                <a:solidFill>
+                  <a:schemeClr val="bg1"/>
+                </a:solidFill>
+                <a:effectLst/>
+                <a:latin typeface="Aptos" panose="020B0004020202020204" pitchFamily="34" charset="0"/>
+                <a:ea typeface="DengXian" panose="02010600030101010101" pitchFamily="2" charset="-122"/>
+                <a:cs typeface="Times New Roman" panose="02020603050405020304" pitchFamily="18" charset="0"/>
+              </a:rPr>
+              <a:t>strong statistical evidence</a:t>
+            </a:r>
+            <a:r>
+              <a:rPr lang="en-AU" sz="2400" kern="100" dirty="0">
+                <a:solidFill>
+                  <a:schemeClr val="bg1"/>
+                </a:solidFill>
+                <a:effectLst/>
+                <a:latin typeface="Aptos" panose="020B0004020202020204" pitchFamily="34" charset="0"/>
+                <a:ea typeface="DengXian" panose="02010600030101010101" pitchFamily="2" charset="-122"/>
+                <a:cs typeface="Times New Roman" panose="02020603050405020304" pitchFamily="18" charset="0"/>
+              </a:rPr>
+              <a:t> that </a:t>
+            </a:r>
+            <a:r>
+              <a:rPr lang="en-AU" sz="2400" b="1" kern="100" dirty="0">
+                <a:solidFill>
+                  <a:schemeClr val="bg1"/>
+                </a:solidFill>
+                <a:effectLst/>
+                <a:latin typeface="Aptos" panose="020B0004020202020204" pitchFamily="34" charset="0"/>
+                <a:ea typeface="DengXian" panose="02010600030101010101" pitchFamily="2" charset="-122"/>
+                <a:cs typeface="Times New Roman" panose="02020603050405020304" pitchFamily="18" charset="0"/>
+              </a:rPr>
+              <a:t>driver experience significantly affects car insurance premiums</a:t>
+            </a:r>
+            <a:r>
+              <a:rPr lang="en-AU" sz="2400" kern="100" dirty="0">
+                <a:solidFill>
+                  <a:schemeClr val="bg1"/>
+                </a:solidFill>
+                <a:effectLst/>
+                <a:latin typeface="Aptos" panose="020B0004020202020204" pitchFamily="34" charset="0"/>
+                <a:ea typeface="DengXian" panose="02010600030101010101" pitchFamily="2" charset="-122"/>
+                <a:cs typeface="Times New Roman" panose="02020603050405020304" pitchFamily="18" charset="0"/>
+              </a:rPr>
+              <a:t>.</a:t>
+            </a:r>
+          </a:p>
+          <a:p>
+            <a:pPr algn="l"/>
+            <a:r>
+              <a:rPr lang="en-US" sz="2400" dirty="0">
+                <a:solidFill>
+                  <a:schemeClr val="bg1"/>
+                </a:solidFill>
+              </a:rPr>
+              <a:t>.</a:t>
+            </a:r>
+            <a:endParaRPr lang="en-AU" sz="2400" dirty="0"/>
+          </a:p>
+          <a:p>
+            <a:endParaRPr lang="en-AU" dirty="0"/>
+          </a:p>
+        </p:txBody>
+      </p:sp>
     </p:spTree>
     <p:extLst>
       <p:ext uri="{BB962C8B-B14F-4D97-AF65-F5344CB8AC3E}">
@@ -20757,7 +21900,14 @@
           <a:p>
             <a:r>
               <a:rPr lang="en-AU" b="1" dirty="0"/>
-              <a:t>Linear Regression Model</a:t>
+              <a:t>Modelling</a:t>
+            </a:r>
+            <a:br>
+              <a:rPr lang="en-AU" b="1" dirty="0"/>
+            </a:br>
+            <a:r>
+              <a:rPr lang="en-AU" b="1" dirty="0"/>
+              <a:t>(Linear Regression Model)</a:t>
             </a:r>
           </a:p>
         </p:txBody>
@@ -20777,7 +21927,7 @@
         <p:spPr>
           <a:xfrm>
             <a:off x="688685" y="1987135"/>
-            <a:ext cx="10814627" cy="830997"/>
+            <a:ext cx="11039625" cy="830997"/>
           </a:xfrm>
           <a:prstGeom prst="rect">
             <a:avLst/>
@@ -20806,23 +21956,7 @@
                   <a:schemeClr val="bg1"/>
                 </a:solidFill>
               </a:rPr>
-              <a:t>Linear </a:t>
-            </a:r>
-            <a:r>
-              <a:rPr lang="en-US" sz="2000" dirty="0">
-                <a:solidFill>
-                  <a:schemeClr val="bg1"/>
-                </a:solidFill>
-              </a:rPr>
-              <a:t>Regression</a:t>
-            </a:r>
-            <a:r>
-              <a:rPr lang="en-US" sz="2400" dirty="0">
-                <a:solidFill>
-                  <a:schemeClr val="bg1"/>
-                </a:solidFill>
-              </a:rPr>
-              <a:t> was used to predict Insurance Premium based on Driver Experience</a:t>
+              <a:t>Linear Regression was used to predict Insurance Premium based on Driver Experience</a:t>
             </a:r>
             <a:r>
               <a:rPr lang="en-US" dirty="0">
@@ -20854,8 +21988,8 @@
         </p:nvSpPr>
         <p:spPr>
           <a:xfrm>
-            <a:off x="1459829" y="4039869"/>
-            <a:ext cx="2856321" cy="1477328"/>
+            <a:off x="688685" y="2994955"/>
+            <a:ext cx="5123179" cy="1754326"/>
           </a:xfrm>
           <a:prstGeom prst="rect">
             <a:avLst/>
@@ -20878,11 +22012,14 @@
             </a:r>
           </a:p>
           <a:p>
-            <a:endParaRPr lang="en-AU" dirty="0">
-              <a:solidFill>
-                <a:schemeClr val="bg1"/>
-              </a:solidFill>
-            </a:endParaRPr>
+            <a:r>
+              <a:rPr lang="en-AU" dirty="0">
+                <a:solidFill>
+                  <a:schemeClr val="bg1"/>
+                </a:solidFill>
+              </a:rPr>
+              <a:t>	Intercept: 	500.22</a:t>
+            </a:r>
           </a:p>
           <a:p>
             <a:r>
@@ -20891,7 +22028,7 @@
                   <a:schemeClr val="bg1"/>
                 </a:solidFill>
               </a:rPr>
-              <a:t>	Intercept: 	1000</a:t>
+              <a:t>	Coefficient: 	-0.44366</a:t>
             </a:r>
           </a:p>
           <a:p>
@@ -20908,8 +22045,37 @@
                   <a:schemeClr val="bg1"/>
                 </a:solidFill>
               </a:rPr>
-              <a:t>	Coefficient: 	-0.44366</a:t>
+              <a:t>(</a:t>
             </a:r>
+            <a:r>
+              <a:rPr lang="en-AU" sz="1800" b="1" i="1" dirty="0">
+                <a:solidFill>
+                  <a:schemeClr val="bg1"/>
+                </a:solidFill>
+                <a:effectLst/>
+                <a:latin typeface="Aptos" panose="020B0004020202020204" pitchFamily="34" charset="0"/>
+                <a:ea typeface="DengXian" panose="02010600030101010101" pitchFamily="2" charset="-122"/>
+                <a:cs typeface="Times New Roman" panose="02020603050405020304" pitchFamily="18" charset="0"/>
+              </a:rPr>
+              <a:t>for each extra year of experience, the premium drops by about 44 cents</a:t>
+            </a:r>
+            <a:r>
+              <a:rPr lang="en-AU" sz="1800" i="1" dirty="0">
+                <a:solidFill>
+                  <a:schemeClr val="bg1"/>
+                </a:solidFill>
+                <a:effectLst/>
+                <a:latin typeface="Aptos" panose="020B0004020202020204" pitchFamily="34" charset="0"/>
+                <a:ea typeface="DengXian" panose="02010600030101010101" pitchFamily="2" charset="-122"/>
+                <a:cs typeface="Times New Roman" panose="02020603050405020304" pitchFamily="18" charset="0"/>
+              </a:rPr>
+              <a:t>.) </a:t>
+            </a:r>
+            <a:endParaRPr lang="en-AU" dirty="0">
+              <a:solidFill>
+                <a:schemeClr val="bg1"/>
+              </a:solidFill>
+            </a:endParaRPr>
           </a:p>
         </p:txBody>
       </p:sp>
@@ -20960,6 +22126,70 @@
           </a:extLst>
         </p:spPr>
       </p:pic>
+      <p:sp>
+        <p:nvSpPr>
+          <p:cNvPr id="3" name="TextBox 2">
+            <a:extLst>
+              <a:ext uri="{FF2B5EF4-FFF2-40B4-BE49-F238E27FC236}">
+                <a16:creationId xmlns:a16="http://schemas.microsoft.com/office/drawing/2014/main" id="{CB117353-48B4-3C9E-D531-DAFB763BBEE6}"/>
+              </a:ext>
+            </a:extLst>
+          </p:cNvPr>
+          <p:cNvSpPr txBox="1"/>
+          <p:nvPr/>
+        </p:nvSpPr>
+        <p:spPr>
+          <a:xfrm>
+            <a:off x="798286" y="4926104"/>
+            <a:ext cx="4847771" cy="1554465"/>
+          </a:xfrm>
+          <a:prstGeom prst="rect">
+            <a:avLst/>
+          </a:prstGeom>
+          <a:noFill/>
+        </p:spPr>
+        <p:txBody>
+          <a:bodyPr wrap="square" rtlCol="0">
+            <a:spAutoFit/>
+          </a:bodyPr>
+          <a:lstStyle/>
+          <a:p>
+            <a:pPr marL="457200" indent="-457200">
+              <a:lnSpc>
+                <a:spcPct val="115000"/>
+              </a:lnSpc>
+              <a:spcAft>
+                <a:spcPts val="800"/>
+              </a:spcAft>
+              <a:buFont typeface="Wingdings" panose="05000000000000000000" pitchFamily="2" charset="2"/>
+              <a:buChar char="Ø"/>
+            </a:pPr>
+            <a:r>
+              <a:rPr lang="en-AU" sz="2800" b="1" kern="100" dirty="0">
+                <a:solidFill>
+                  <a:schemeClr val="bg1"/>
+                </a:solidFill>
+                <a:latin typeface="Aptos" panose="020B0004020202020204" pitchFamily="34" charset="0"/>
+                <a:ea typeface="DengXian" panose="02010600030101010101" pitchFamily="2" charset="-122"/>
+                <a:cs typeface="Times New Roman" panose="02020603050405020304" pitchFamily="18" charset="0"/>
+              </a:rPr>
+              <a:t>M</a:t>
+            </a:r>
+            <a:r>
+              <a:rPr lang="en-AU" sz="2800" b="1" kern="100" dirty="0">
+                <a:solidFill>
+                  <a:schemeClr val="bg1"/>
+                </a:solidFill>
+                <a:effectLst/>
+                <a:latin typeface="Aptos" panose="020B0004020202020204" pitchFamily="34" charset="0"/>
+                <a:ea typeface="DengXian" panose="02010600030101010101" pitchFamily="2" charset="-122"/>
+                <a:cs typeface="Times New Roman" panose="02020603050405020304" pitchFamily="18" charset="0"/>
+              </a:rPr>
+              <a:t>ore experienced drivers tend to pay lower insurance premiums.</a:t>
+            </a:r>
+          </a:p>
+        </p:txBody>
+      </p:sp>
     </p:spTree>
     <p:extLst>
       <p:ext uri="{BB962C8B-B14F-4D97-AF65-F5344CB8AC3E}">

--- a/MiniProject1/MiniProject1_Presentation.pptx
+++ b/MiniProject1/MiniProject1_Presentation.pptx
@@ -5,7 +5,7 @@
     <p:sldMasterId id="2147484065" r:id="rId1"/>
   </p:sldMasterIdLst>
   <p:sldIdLst>
-    <p:sldId id="256" r:id="rId2"/>
+    <p:sldId id="270" r:id="rId2"/>
     <p:sldId id="257" r:id="rId3"/>
     <p:sldId id="258" r:id="rId4"/>
     <p:sldId id="269" r:id="rId5"/>
@@ -5516,7 +5516,7 @@
           </a:pPr>
           <a:r>
             <a:rPr lang="en-US" dirty="0"/>
-            <a:t>    The linear regression model predicts car insurance premiums based on driver experience, with R² of 0.64.  It is not perfect. There’s still significant room for improvement in capturing the relationship between Driver Experience and Premium.</a:t>
+            <a:t>    The linear regression model predicts car insurance premiums based on driver experience, with R² of 0.64.  It is not perfect. There’s still room for improvement</a:t>
           </a:r>
         </a:p>
       </dgm:t>
@@ -8185,7 +8185,7 @@
       </dsp:nvSpPr>
       <dsp:spPr>
         <a:xfrm>
-          <a:off x="2086" y="740045"/>
+          <a:off x="2086" y="768865"/>
           <a:ext cx="1063125" cy="1063125"/>
         </a:xfrm>
         <a:prstGeom prst="rect">
@@ -8234,7 +8234,7 @@
       </dsp:nvSpPr>
       <dsp:spPr>
         <a:xfrm>
-          <a:off x="2086" y="1955827"/>
+          <a:off x="2086" y="1982169"/>
           <a:ext cx="3037500" cy="455625"/>
         </a:xfrm>
         <a:prstGeom prst="rect">
@@ -8285,7 +8285,7 @@
         </a:p>
       </dsp:txBody>
       <dsp:txXfrm>
-        <a:off x="2086" y="1955827"/>
+        <a:off x="2086" y="1982169"/>
         <a:ext cx="3037500" cy="455625"/>
       </dsp:txXfrm>
     </dsp:sp>
@@ -8296,8 +8296,8 @@
       </dsp:nvSpPr>
       <dsp:spPr>
         <a:xfrm>
-          <a:off x="2086" y="2482455"/>
-          <a:ext cx="3037500" cy="1807745"/>
+          <a:off x="2086" y="2507644"/>
+          <a:ext cx="3037500" cy="1753736"/>
         </a:xfrm>
         <a:prstGeom prst="rect">
           <a:avLst/>
@@ -8341,13 +8341,13 @@
           </a:pPr>
           <a:r>
             <a:rPr lang="en-US" sz="1700" kern="1200" dirty="0"/>
-            <a:t>    The linear regression model predicts car insurance premiums based on driver experience, with R² of 0.64.  It is not perfect. There’s still significant room for improvement in capturing the relationship between Driver Experience and Premium.</a:t>
+            <a:t>    The linear regression model predicts car insurance premiums based on driver experience, with R² of 0.64.  It is not perfect. There’s still room for improvement</a:t>
           </a:r>
         </a:p>
       </dsp:txBody>
       <dsp:txXfrm>
-        <a:off x="2086" y="2482455"/>
-        <a:ext cx="3037500" cy="1807745"/>
+        <a:off x="2086" y="2507644"/>
+        <a:ext cx="3037500" cy="1753736"/>
       </dsp:txXfrm>
     </dsp:sp>
     <dsp:sp modelId="{018F4459-138C-43F6-8387-22F34FBBA6CF}">
@@ -8357,7 +8357,7 @@
       </dsp:nvSpPr>
       <dsp:spPr>
         <a:xfrm>
-          <a:off x="3571148" y="740045"/>
+          <a:off x="3571148" y="768865"/>
           <a:ext cx="1063125" cy="1063125"/>
         </a:xfrm>
         <a:prstGeom prst="rect">
@@ -8406,7 +8406,7 @@
       </dsp:nvSpPr>
       <dsp:spPr>
         <a:xfrm>
-          <a:off x="3571148" y="1955827"/>
+          <a:off x="3571148" y="1982169"/>
           <a:ext cx="3037500" cy="455625"/>
         </a:xfrm>
         <a:prstGeom prst="rect">
@@ -8457,7 +8457,7 @@
         </a:p>
       </dsp:txBody>
       <dsp:txXfrm>
-        <a:off x="3571148" y="1955827"/>
+        <a:off x="3571148" y="1982169"/>
         <a:ext cx="3037500" cy="455625"/>
       </dsp:txXfrm>
     </dsp:sp>
@@ -8468,8 +8468,8 @@
       </dsp:nvSpPr>
       <dsp:spPr>
         <a:xfrm>
-          <a:off x="3571148" y="2482455"/>
-          <a:ext cx="3037500" cy="1807745"/>
+          <a:off x="3571148" y="2507644"/>
+          <a:ext cx="3037500" cy="1753736"/>
         </a:xfrm>
         <a:prstGeom prst="rect">
           <a:avLst/>
@@ -8555,8 +8555,8 @@
         </a:p>
       </dsp:txBody>
       <dsp:txXfrm>
-        <a:off x="3571148" y="2482455"/>
-        <a:ext cx="3037500" cy="1807745"/>
+        <a:off x="3571148" y="2507644"/>
+        <a:ext cx="3037500" cy="1753736"/>
       </dsp:txXfrm>
     </dsp:sp>
   </dsp:spTree>
@@ -13801,7 +13801,7 @@
           <a:p>
             <a:fld id="{8B26247A-7472-427A-A495-D3E06B3E3453}" type="datetimeFigureOut">
               <a:rPr lang="en-AU" smtClean="0"/>
-              <a:t>26/04/2025</a:t>
+              <a:t>7/05/2025</a:t>
             </a:fld>
             <a:endParaRPr lang="en-AU"/>
           </a:p>
@@ -13971,7 +13971,7 @@
           <a:p>
             <a:fld id="{8B26247A-7472-427A-A495-D3E06B3E3453}" type="datetimeFigureOut">
               <a:rPr lang="en-AU" smtClean="0"/>
-              <a:t>26/04/2025</a:t>
+              <a:t>7/05/2025</a:t>
             </a:fld>
             <a:endParaRPr lang="en-AU"/>
           </a:p>
@@ -14151,7 +14151,7 @@
           <a:p>
             <a:fld id="{8B26247A-7472-427A-A495-D3E06B3E3453}" type="datetimeFigureOut">
               <a:rPr lang="en-AU" smtClean="0"/>
-              <a:t>26/04/2025</a:t>
+              <a:t>7/05/2025</a:t>
             </a:fld>
             <a:endParaRPr lang="en-AU"/>
           </a:p>
@@ -14321,7 +14321,7 @@
           <a:p>
             <a:fld id="{8B26247A-7472-427A-A495-D3E06B3E3453}" type="datetimeFigureOut">
               <a:rPr lang="en-AU" smtClean="0"/>
-              <a:t>26/04/2025</a:t>
+              <a:t>7/05/2025</a:t>
             </a:fld>
             <a:endParaRPr lang="en-AU"/>
           </a:p>
@@ -14589,7 +14589,7 @@
           <a:p>
             <a:fld id="{8B26247A-7472-427A-A495-D3E06B3E3453}" type="datetimeFigureOut">
               <a:rPr lang="en-AU" smtClean="0"/>
-              <a:t>26/04/2025</a:t>
+              <a:t>7/05/2025</a:t>
             </a:fld>
             <a:endParaRPr lang="en-AU"/>
           </a:p>
@@ -14821,7 +14821,7 @@
           <a:p>
             <a:fld id="{8B26247A-7472-427A-A495-D3E06B3E3453}" type="datetimeFigureOut">
               <a:rPr lang="en-AU" smtClean="0"/>
-              <a:t>26/04/2025</a:t>
+              <a:t>7/05/2025</a:t>
             </a:fld>
             <a:endParaRPr lang="en-AU"/>
           </a:p>
@@ -15180,7 +15180,7 @@
           <a:p>
             <a:fld id="{8B26247A-7472-427A-A495-D3E06B3E3453}" type="datetimeFigureOut">
               <a:rPr lang="en-AU" smtClean="0"/>
-              <a:t>26/04/2025</a:t>
+              <a:t>7/05/2025</a:t>
             </a:fld>
             <a:endParaRPr lang="en-AU"/>
           </a:p>
@@ -15321,7 +15321,7 @@
           <a:p>
             <a:fld id="{8B26247A-7472-427A-A495-D3E06B3E3453}" type="datetimeFigureOut">
               <a:rPr lang="en-AU" smtClean="0"/>
-              <a:t>26/04/2025</a:t>
+              <a:t>7/05/2025</a:t>
             </a:fld>
             <a:endParaRPr lang="en-AU"/>
           </a:p>
@@ -15416,7 +15416,7 @@
           <a:p>
             <a:fld id="{8B26247A-7472-427A-A495-D3E06B3E3453}" type="datetimeFigureOut">
               <a:rPr lang="en-AU" smtClean="0"/>
-              <a:t>26/04/2025</a:t>
+              <a:t>7/05/2025</a:t>
             </a:fld>
             <a:endParaRPr lang="en-AU"/>
           </a:p>
@@ -15773,7 +15773,7 @@
           <a:p>
             <a:fld id="{8B26247A-7472-427A-A495-D3E06B3E3453}" type="datetimeFigureOut">
               <a:rPr lang="en-AU" smtClean="0"/>
-              <a:t>26/04/2025</a:t>
+              <a:t>7/05/2025</a:t>
             </a:fld>
             <a:endParaRPr lang="en-AU"/>
           </a:p>
@@ -16130,7 +16130,7 @@
           <a:p>
             <a:fld id="{8B26247A-7472-427A-A495-D3E06B3E3453}" type="datetimeFigureOut">
               <a:rPr lang="en-AU" smtClean="0"/>
-              <a:t>26/04/2025</a:t>
+              <a:t>7/05/2025</a:t>
             </a:fld>
             <a:endParaRPr lang="en-AU"/>
           </a:p>
@@ -16372,7 +16372,7 @@
           <a:p>
             <a:fld id="{8B26247A-7472-427A-A495-D3E06B3E3453}" type="datetimeFigureOut">
               <a:rPr lang="en-AU" smtClean="0"/>
-              <a:t>26/04/2025</a:t>
+              <a:t>7/05/2025</a:t>
             </a:fld>
             <a:endParaRPr lang="en-AU"/>
           </a:p>
@@ -16810,14 +16810,6 @@
 <file path=ppt/slides/slide1.xml><?xml version="1.0" encoding="utf-8"?>
 <p:sld xmlns:a="http://schemas.openxmlformats.org/drawingml/2006/main" xmlns:r="http://schemas.openxmlformats.org/officeDocument/2006/relationships" xmlns:p="http://schemas.openxmlformats.org/presentationml/2006/main">
   <p:cSld>
-    <p:bg>
-      <p:bgPr>
-        <a:solidFill>
-          <a:schemeClr val="accent2"/>
-        </a:solidFill>
-        <a:effectLst/>
-      </p:bgPr>
-    </p:bg>
     <p:spTree>
       <p:nvGrpSpPr>
         <p:cNvPr id="1" name=""/>
@@ -16850,7 +16842,7 @@
         </p:nvSpPr>
         <p:spPr>
           <a:xfrm>
-            <a:off x="8557234" y="5258235"/>
+            <a:off x="9422968" y="4977750"/>
             <a:ext cx="2243327" cy="1239894"/>
           </a:xfrm>
         </p:spPr>
@@ -16862,7 +16854,7 @@
           <a:p>
             <a:pPr algn="r"/>
             <a:r>
-              <a:rPr lang="en-AU" sz="2800" dirty="0">
+              <a:rPr lang="en-AU" b="1" dirty="0">
                 <a:solidFill>
                   <a:schemeClr val="bg1"/>
                 </a:solidFill>
@@ -16873,12 +16865,12 @@
           <a:p>
             <a:pPr algn="r"/>
             <a:r>
-              <a:rPr lang="en-AU" sz="2800" dirty="0">
+              <a:rPr lang="en-AU" b="1" dirty="0">
                 <a:solidFill>
                   <a:schemeClr val="bg1"/>
                 </a:solidFill>
               </a:rPr>
-              <a:t>26 April 2025</a:t>
+              <a:t>7 May 2025</a:t>
             </a:r>
           </a:p>
         </p:txBody>
@@ -16904,8 +16896,8 @@
         </p:blipFill>
         <p:spPr>
           <a:xfrm>
-            <a:off x="0" y="3751044"/>
-            <a:ext cx="2045756" cy="3014383"/>
+            <a:off x="20" y="10"/>
+            <a:ext cx="4654277" cy="6857990"/>
           </a:xfrm>
           <a:prstGeom prst="rect">
             <a:avLst/>
@@ -16926,8 +16918,8 @@
         </p:nvSpPr>
         <p:spPr>
           <a:xfrm>
-            <a:off x="1328979" y="1588158"/>
-            <a:ext cx="9540126" cy="584775"/>
+            <a:off x="4773479" y="2473293"/>
+            <a:ext cx="7206712" cy="584775"/>
           </a:xfrm>
           <a:prstGeom prst="rect">
             <a:avLst/>
@@ -16946,7 +16938,7 @@
                   <a:schemeClr val="bg1"/>
                 </a:solidFill>
               </a:rPr>
-              <a:t>How Data can Drive Fairer Car Insurance Pricing</a:t>
+              <a:t>Predicting Car Insurance Premiums</a:t>
             </a:r>
           </a:p>
         </p:txBody>
@@ -16965,8 +16957,8 @@
         </p:nvSpPr>
         <p:spPr>
           <a:xfrm>
-            <a:off x="8907370" y="239463"/>
-            <a:ext cx="2882685" cy="707886"/>
+            <a:off x="8911525" y="64454"/>
+            <a:ext cx="2882685" cy="954107"/>
           </a:xfrm>
           <a:prstGeom prst="rect">
             <a:avLst/>
@@ -16981,7 +16973,7 @@
           <a:p>
             <a:pPr algn="r"/>
             <a:r>
-              <a:rPr lang="en-AU" sz="2000" i="1" dirty="0">
+              <a:rPr lang="en-AU" sz="2800" i="1" dirty="0">
                 <a:solidFill>
                   <a:schemeClr val="bg1"/>
                 </a:solidFill>
@@ -16992,7 +16984,7 @@
           <a:p>
             <a:pPr algn="r"/>
             <a:r>
-              <a:rPr lang="en-AU" sz="2000" i="1" dirty="0">
+              <a:rPr lang="en-AU" sz="2800" i="1" dirty="0">
                 <a:solidFill>
                   <a:schemeClr val="bg1"/>
                 </a:solidFill>
@@ -17002,54 +16994,10 @@
           </a:p>
         </p:txBody>
       </p:sp>
-      <p:sp>
-        <p:nvSpPr>
-          <p:cNvPr id="6" name="TextBox 5">
-            <a:extLst>
-              <a:ext uri="{FF2B5EF4-FFF2-40B4-BE49-F238E27FC236}">
-                <a16:creationId xmlns:a16="http://schemas.microsoft.com/office/drawing/2014/main" id="{1FAE0015-249C-B05A-48AA-881927EFF533}"/>
-              </a:ext>
-            </a:extLst>
-          </p:cNvPr>
-          <p:cNvSpPr txBox="1"/>
-          <p:nvPr/>
-        </p:nvSpPr>
-        <p:spPr>
-          <a:xfrm>
-            <a:off x="2512025" y="2746665"/>
-            <a:ext cx="8460774" cy="523220"/>
-          </a:xfrm>
-          <a:prstGeom prst="rect">
-            <a:avLst/>
-          </a:prstGeom>
-          <a:noFill/>
-        </p:spPr>
-        <p:txBody>
-          <a:bodyPr wrap="square">
-            <a:spAutoFit/>
-          </a:bodyPr>
-          <a:lstStyle/>
-          <a:p>
-            <a:r>
-              <a:rPr lang="en-US" sz="2800" i="1" dirty="0">
-                <a:solidFill>
-                  <a:schemeClr val="bg1"/>
-                </a:solidFill>
-              </a:rPr>
-              <a:t>--  A Data Science Approach to Predicting Insurance Premiums</a:t>
-            </a:r>
-            <a:endParaRPr lang="en-AU" sz="2800" i="1" dirty="0">
-              <a:solidFill>
-                <a:schemeClr val="bg1"/>
-              </a:solidFill>
-            </a:endParaRPr>
-          </a:p>
-        </p:txBody>
-      </p:sp>
     </p:spTree>
     <p:extLst>
       <p:ext uri="{BB962C8B-B14F-4D97-AF65-F5344CB8AC3E}">
-        <p14:creationId xmlns:p14="http://schemas.microsoft.com/office/powerpoint/2010/main" val="3163246241"/>
+        <p14:creationId xmlns:p14="http://schemas.microsoft.com/office/powerpoint/2010/main" val="477746246"/>
       </p:ext>
     </p:extLst>
   </p:cSld>
@@ -17331,14 +17279,14 @@
           <p:nvPr>
             <p:extLst>
               <p:ext uri="{D42A27DB-BD31-4B8C-83A1-F6EECF244321}">
-                <p14:modId xmlns:p14="http://schemas.microsoft.com/office/powerpoint/2010/main" val="1577740880"/>
+                <p14:modId xmlns:p14="http://schemas.microsoft.com/office/powerpoint/2010/main" val="155120513"/>
               </p:ext>
             </p:extLst>
           </p:nvPr>
         </p:nvGraphicFramePr>
         <p:xfrm>
-          <a:off x="207184" y="2190411"/>
-          <a:ext cx="5250187" cy="4197396"/>
+          <a:off x="370696" y="2190411"/>
+          <a:ext cx="5093311" cy="4129456"/>
         </p:xfrm>
         <a:graphic>
           <a:graphicData uri="http://schemas.openxmlformats.org/drawingml/2006/table">
@@ -17347,7 +17295,7 @@
                 <a:noFill/>
               </a:tblPr>
               <a:tblGrid>
-                <a:gridCol w="470279">
+                <a:gridCol w="313403">
                   <a:extLst>
                     <a:ext uri="{9D8B030D-6E8A-4147-A177-3AD203B41FA5}">
                       <a16:colId xmlns:a16="http://schemas.microsoft.com/office/drawing/2014/main" val="1518915440"/>
@@ -17427,13 +17375,13 @@
                     <a:p>
                       <a:pPr algn="r" fontAlgn="ctr"/>
                       <a:r>
-                        <a:rPr lang="en-AU" sz="2000" b="0" cap="none" spc="60">
+                        <a:rPr lang="en-AU" sz="2000" b="0" cap="none" spc="60" dirty="0">
                           <a:solidFill>
                             <a:schemeClr val="bg1"/>
                           </a:solidFill>
                           <a:effectLst/>
                         </a:rPr>
-                        <a:t>Training R2</a:t>
+                        <a:t>Training R^2</a:t>
                       </a:r>
                     </a:p>
                   </a:txBody>
@@ -17472,7 +17420,7 @@
                           </a:solidFill>
                           <a:effectLst/>
                         </a:rPr>
-                        <a:t>Test R2</a:t>
+                        <a:t>Test R^2</a:t>
                       </a:r>
                     </a:p>
                   </a:txBody>
@@ -17590,17 +17538,14 @@
                     <a:p>
                       <a:pPr algn="r" fontAlgn="ctr"/>
                       <a:r>
-                        <a:rPr lang="en-AU" sz="1800" b="1" cap="none" spc="0">
-                          <a:solidFill>
-                            <a:schemeClr val="tx1"/>
-                          </a:solidFill>
+                        <a:rPr lang="en-AU" b="1">
                           <a:effectLst/>
                         </a:rPr>
                         <a:t>1</a:t>
                       </a:r>
                     </a:p>
                   </a:txBody>
-                  <a:tcPr marL="118590" marR="169413" marT="115246" marB="254120" anchor="ctr">
+                  <a:tcPr anchor="ctr">
                     <a:lnL w="12700" cmpd="sng">
                       <a:noFill/>
                       <a:prstDash val="solid"/>
@@ -17627,17 +17572,14 @@
                     <a:p>
                       <a:pPr algn="r" fontAlgn="ctr"/>
                       <a:r>
-                        <a:rPr lang="en-AU" sz="1800" cap="none" spc="0">
-                          <a:solidFill>
-                            <a:schemeClr val="tx1"/>
-                          </a:solidFill>
+                        <a:rPr lang="en-AU">
                           <a:effectLst/>
                         </a:rPr>
-                        <a:t>0.655881</a:t>
+                        <a:t>0.645128</a:t>
                       </a:r>
                     </a:p>
                   </a:txBody>
-                  <a:tcPr marL="118590" marR="169413" marT="115246" marB="254120" anchor="ctr">
+                  <a:tcPr anchor="ctr">
                     <a:lnL w="12700" cmpd="sng">
                       <a:noFill/>
                       <a:prstDash val="solid"/>
@@ -17664,17 +17606,14 @@
                     <a:p>
                       <a:pPr algn="r" fontAlgn="ctr"/>
                       <a:r>
-                        <a:rPr lang="en-AU" sz="1800" cap="none" spc="0">
-                          <a:solidFill>
-                            <a:schemeClr val="tx1"/>
-                          </a:solidFill>
+                        <a:rPr lang="en-AU" dirty="0">
                           <a:effectLst/>
                         </a:rPr>
-                        <a:t>0.601505</a:t>
+                        <a:t>0.635004</a:t>
                       </a:r>
                     </a:p>
                   </a:txBody>
-                  <a:tcPr marL="118590" marR="169413" marT="115246" marB="254120" anchor="ctr">
+                  <a:tcPr anchor="ctr">
                     <a:lnL w="12700" cmpd="sng">
                       <a:noFill/>
                       <a:prstDash val="solid"/>
@@ -17701,17 +17640,14 @@
                     <a:p>
                       <a:pPr algn="r" fontAlgn="ctr"/>
                       <a:r>
-                        <a:rPr lang="en-AU" sz="1800" cap="none" spc="0" dirty="0">
-                          <a:solidFill>
-                            <a:schemeClr val="tx1"/>
-                          </a:solidFill>
+                        <a:rPr lang="en-AU">
                           <a:effectLst/>
                         </a:rPr>
-                        <a:t>3.465519</a:t>
+                        <a:t>3.481575</a:t>
                       </a:r>
                     </a:p>
                   </a:txBody>
-                  <a:tcPr marL="118590" marR="169413" marT="115246" marB="254120" anchor="ctr">
+                  <a:tcPr anchor="ctr">
                     <a:lnL w="12700" cmpd="sng">
                       <a:noFill/>
                       <a:prstDash val="solid"/>
@@ -17738,17 +17674,14 @@
                     <a:p>
                       <a:pPr algn="r" fontAlgn="ctr"/>
                       <a:r>
-                        <a:rPr lang="en-AU" sz="1800" cap="none" spc="0" dirty="0">
-                          <a:solidFill>
-                            <a:schemeClr val="tx1"/>
-                          </a:solidFill>
+                        <a:rPr lang="en-AU">
                           <a:effectLst/>
                         </a:rPr>
-                        <a:t>3.719343</a:t>
+                        <a:t>3.661002</a:t>
                       </a:r>
                     </a:p>
                   </a:txBody>
-                  <a:tcPr marL="118590" marR="169413" marT="115246" marB="254120" anchor="ctr">
+                  <a:tcPr anchor="ctr">
                     <a:lnL w="12700" cmpd="sng">
                       <a:noFill/>
                       <a:prstDash val="solid"/>
@@ -17782,17 +17715,14 @@
                     <a:p>
                       <a:pPr algn="r" fontAlgn="ctr"/>
                       <a:r>
-                        <a:rPr lang="en-AU" sz="1800" b="1" cap="none" spc="0">
-                          <a:solidFill>
-                            <a:schemeClr val="tx1"/>
-                          </a:solidFill>
+                        <a:rPr lang="en-AU" b="1">
                           <a:effectLst/>
                         </a:rPr>
                         <a:t>2</a:t>
                       </a:r>
                     </a:p>
                   </a:txBody>
-                  <a:tcPr marL="118590" marR="169413" marT="115246" marB="254120" anchor="ctr">
+                  <a:tcPr anchor="ctr">
                     <a:lnL w="12700" cmpd="sng">
                       <a:noFill/>
                       <a:prstDash val="solid"/>
@@ -17823,17 +17753,14 @@
                     <a:p>
                       <a:pPr algn="r" fontAlgn="ctr"/>
                       <a:r>
-                        <a:rPr lang="en-AU" sz="1800" cap="none" spc="0">
-                          <a:solidFill>
-                            <a:schemeClr val="tx1"/>
-                          </a:solidFill>
+                        <a:rPr lang="en-AU">
                           <a:effectLst/>
                         </a:rPr>
-                        <a:t>0.649873</a:t>
+                        <a:t>0.648827</a:t>
                       </a:r>
                     </a:p>
                   </a:txBody>
-                  <a:tcPr marL="118590" marR="169413" marT="115246" marB="254120" anchor="ctr">
+                  <a:tcPr anchor="ctr">
                     <a:lnL w="12700" cmpd="sng">
                       <a:noFill/>
                       <a:prstDash val="solid"/>
@@ -17864,17 +17791,14 @@
                     <a:p>
                       <a:pPr algn="r" fontAlgn="ctr"/>
                       <a:r>
-                        <a:rPr lang="en-AU" sz="1800" cap="none" spc="0">
-                          <a:solidFill>
-                            <a:schemeClr val="tx1"/>
-                          </a:solidFill>
+                        <a:rPr lang="en-AU">
                           <a:effectLst/>
                         </a:rPr>
-                        <a:t>0.624903</a:t>
+                        <a:t>0.627945</a:t>
                       </a:r>
                     </a:p>
                   </a:txBody>
-                  <a:tcPr marL="118590" marR="169413" marT="115246" marB="254120" anchor="ctr">
+                  <a:tcPr anchor="ctr">
                     <a:lnL w="12700" cmpd="sng">
                       <a:noFill/>
                       <a:prstDash val="solid"/>
@@ -17905,17 +17829,14 @@
                     <a:p>
                       <a:pPr algn="r" fontAlgn="ctr"/>
                       <a:r>
-                        <a:rPr lang="en-AU" sz="1800" cap="none" spc="0">
-                          <a:solidFill>
-                            <a:schemeClr val="tx1"/>
-                          </a:solidFill>
+                        <a:rPr lang="en-AU">
                           <a:effectLst/>
                         </a:rPr>
-                        <a:t>3.512102</a:t>
+                        <a:t>3.519102</a:t>
                       </a:r>
                     </a:p>
                   </a:txBody>
-                  <a:tcPr marL="118590" marR="169413" marT="115246" marB="254120" anchor="ctr">
+                  <a:tcPr anchor="ctr">
                     <a:lnL w="12700" cmpd="sng">
                       <a:noFill/>
                       <a:prstDash val="solid"/>
@@ -17946,17 +17867,14 @@
                     <a:p>
                       <a:pPr algn="r" fontAlgn="ctr"/>
                       <a:r>
-                        <a:rPr lang="en-AU" sz="1800" cap="none" spc="0">
-                          <a:solidFill>
-                            <a:schemeClr val="tx1"/>
-                          </a:solidFill>
+                        <a:rPr lang="en-AU">
                           <a:effectLst/>
                         </a:rPr>
-                        <a:t>3.540192</a:t>
+                        <a:t>3.515527</a:t>
                       </a:r>
                     </a:p>
                   </a:txBody>
-                  <a:tcPr marL="118590" marR="169413" marT="115246" marB="254120" anchor="ctr">
+                  <a:tcPr anchor="ctr">
                     <a:lnL w="12700" cmpd="sng">
                       <a:noFill/>
                       <a:prstDash val="solid"/>
@@ -17994,17 +17912,14 @@
                     <a:p>
                       <a:pPr algn="r" fontAlgn="ctr"/>
                       <a:r>
-                        <a:rPr lang="en-AU" sz="1800" b="1" cap="none" spc="0">
-                          <a:solidFill>
-                            <a:schemeClr val="tx1"/>
-                          </a:solidFill>
+                        <a:rPr lang="en-AU" b="1">
                           <a:effectLst/>
                         </a:rPr>
                         <a:t>3</a:t>
                       </a:r>
                     </a:p>
                   </a:txBody>
-                  <a:tcPr marL="118590" marR="169413" marT="115246" marB="254120" anchor="ctr">
+                  <a:tcPr anchor="ctr">
                     <a:lnL w="12700" cmpd="sng">
                       <a:noFill/>
                       <a:prstDash val="solid"/>
@@ -18031,17 +17946,14 @@
                     <a:p>
                       <a:pPr algn="r" fontAlgn="ctr"/>
                       <a:r>
-                        <a:rPr lang="en-AU" sz="1800" cap="none" spc="0">
-                          <a:solidFill>
-                            <a:schemeClr val="tx1"/>
-                          </a:solidFill>
+                        <a:rPr lang="en-AU">
                           <a:effectLst/>
                         </a:rPr>
-                        <a:t>0.634097</a:t>
+                        <a:t>0.650441</a:t>
                       </a:r>
                     </a:p>
                   </a:txBody>
-                  <a:tcPr marL="118590" marR="169413" marT="115246" marB="254120" anchor="ctr">
+                  <a:tcPr anchor="ctr">
                     <a:lnL w="12700" cmpd="sng">
                       <a:noFill/>
                       <a:prstDash val="solid"/>
@@ -18068,17 +17980,14 @@
                     <a:p>
                       <a:pPr algn="r" fontAlgn="ctr"/>
                       <a:r>
-                        <a:rPr lang="en-AU" sz="1800" cap="none" spc="0">
-                          <a:solidFill>
-                            <a:schemeClr val="tx1"/>
-                          </a:solidFill>
+                        <a:rPr lang="en-AU">
                           <a:effectLst/>
                         </a:rPr>
-                        <a:t>0.683574</a:t>
+                        <a:t>0.618549</a:t>
                       </a:r>
                     </a:p>
                   </a:txBody>
-                  <a:tcPr marL="118590" marR="169413" marT="115246" marB="254120" anchor="ctr">
+                  <a:tcPr anchor="ctr">
                     <a:lnL w="12700" cmpd="sng">
                       <a:noFill/>
                       <a:prstDash val="solid"/>
@@ -18105,17 +18014,14 @@
                     <a:p>
                       <a:pPr algn="r" fontAlgn="ctr"/>
                       <a:r>
-                        <a:rPr lang="en-AU" sz="1800" cap="none" spc="0">
-                          <a:solidFill>
-                            <a:schemeClr val="tx1"/>
-                          </a:solidFill>
+                        <a:rPr lang="en-AU">
                           <a:effectLst/>
                         </a:rPr>
-                        <a:t>3.541980</a:t>
+                        <a:t>3.564983</a:t>
                       </a:r>
                     </a:p>
                   </a:txBody>
-                  <a:tcPr marL="118590" marR="169413" marT="115246" marB="254120" anchor="ctr">
+                  <a:tcPr anchor="ctr">
                     <a:lnL w="12700" cmpd="sng">
                       <a:noFill/>
                       <a:prstDash val="solid"/>
@@ -18142,17 +18048,14 @@
                     <a:p>
                       <a:pPr algn="r" fontAlgn="ctr"/>
                       <a:r>
-                        <a:rPr lang="en-AU" sz="1800" cap="none" spc="0">
-                          <a:solidFill>
-                            <a:schemeClr val="tx1"/>
-                          </a:solidFill>
+                        <a:rPr lang="en-AU">
                           <a:effectLst/>
                         </a:rPr>
-                        <a:t>3.424669</a:t>
+                        <a:t>3.324314</a:t>
                       </a:r>
                     </a:p>
                   </a:txBody>
-                  <a:tcPr marL="118590" marR="169413" marT="115246" marB="254120" anchor="ctr">
+                  <a:tcPr anchor="ctr">
                     <a:lnL w="12700" cmpd="sng">
                       <a:noFill/>
                       <a:prstDash val="solid"/>
@@ -18186,17 +18089,14 @@
                     <a:p>
                       <a:pPr algn="r" fontAlgn="ctr"/>
                       <a:r>
-                        <a:rPr lang="en-AU" sz="1800" b="1" cap="none" spc="0">
-                          <a:solidFill>
-                            <a:schemeClr val="tx1"/>
-                          </a:solidFill>
+                        <a:rPr lang="en-AU" b="1">
                           <a:effectLst/>
                         </a:rPr>
                         <a:t>4</a:t>
                       </a:r>
                     </a:p>
                   </a:txBody>
-                  <a:tcPr marL="118590" marR="169413" marT="115246" marB="254120" anchor="ctr">
+                  <a:tcPr anchor="ctr">
                     <a:lnL w="12700" cmpd="sng">
                       <a:noFill/>
                       <a:prstDash val="solid"/>
@@ -18227,17 +18127,14 @@
                     <a:p>
                       <a:pPr algn="r" fontAlgn="ctr"/>
                       <a:r>
-                        <a:rPr lang="en-AU" sz="1800" cap="none" spc="0">
-                          <a:solidFill>
-                            <a:schemeClr val="tx1"/>
-                          </a:solidFill>
+                        <a:rPr lang="en-AU">
                           <a:effectLst/>
                         </a:rPr>
-                        <a:t>0.636770</a:t>
+                        <a:t>0.643083</a:t>
                       </a:r>
                     </a:p>
                   </a:txBody>
-                  <a:tcPr marL="118590" marR="169413" marT="115246" marB="254120" anchor="ctr">
+                  <a:tcPr anchor="ctr">
                     <a:lnL w="12700" cmpd="sng">
                       <a:noFill/>
                       <a:prstDash val="solid"/>
@@ -18268,17 +18165,14 @@
                     <a:p>
                       <a:pPr algn="r" fontAlgn="ctr"/>
                       <a:r>
-                        <a:rPr lang="en-AU" sz="1800" cap="none" spc="0">
-                          <a:solidFill>
-                            <a:schemeClr val="tx1"/>
-                          </a:solidFill>
+                        <a:rPr lang="en-AU">
                           <a:effectLst/>
                         </a:rPr>
-                        <a:t>0.676312</a:t>
+                        <a:t>0.652798</a:t>
                       </a:r>
                     </a:p>
                   </a:txBody>
-                  <a:tcPr marL="118590" marR="169413" marT="115246" marB="254120" anchor="ctr">
+                  <a:tcPr anchor="ctr">
                     <a:lnL w="12700" cmpd="sng">
                       <a:noFill/>
                       <a:prstDash val="solid"/>
@@ -18309,17 +18203,14 @@
                     <a:p>
                       <a:pPr algn="r" fontAlgn="ctr"/>
                       <a:r>
-                        <a:rPr lang="en-AU" sz="1800" cap="none" spc="0">
-                          <a:solidFill>
-                            <a:schemeClr val="tx1"/>
-                          </a:solidFill>
+                        <a:rPr lang="en-AU">
                           <a:effectLst/>
                         </a:rPr>
-                        <a:t>3.543693</a:t>
+                        <a:t>3.536467</a:t>
                       </a:r>
                     </a:p>
                   </a:txBody>
-                  <a:tcPr marL="118590" marR="169413" marT="115246" marB="254120" anchor="ctr">
+                  <a:tcPr anchor="ctr">
                     <a:lnL w="12700" cmpd="sng">
                       <a:noFill/>
                       <a:prstDash val="solid"/>
@@ -18350,17 +18241,14 @@
                     <a:p>
                       <a:pPr algn="r" fontAlgn="ctr"/>
                       <a:r>
-                        <a:rPr lang="en-AU" sz="1800" cap="none" spc="0">
-                          <a:solidFill>
-                            <a:schemeClr val="tx1"/>
-                          </a:solidFill>
+                        <a:rPr lang="en-AU">
                           <a:effectLst/>
                         </a:rPr>
-                        <a:t>3.415562</a:t>
+                        <a:t>3.442467</a:t>
                       </a:r>
                     </a:p>
                   </a:txBody>
-                  <a:tcPr marL="118590" marR="169413" marT="115246" marB="254120" anchor="ctr">
+                  <a:tcPr anchor="ctr">
                     <a:lnL w="12700" cmpd="sng">
                       <a:noFill/>
                       <a:prstDash val="solid"/>
@@ -18398,17 +18286,14 @@
                     <a:p>
                       <a:pPr algn="r" fontAlgn="ctr"/>
                       <a:r>
-                        <a:rPr lang="en-AU" sz="1800" b="1" cap="none" spc="0">
-                          <a:solidFill>
-                            <a:schemeClr val="tx1"/>
-                          </a:solidFill>
+                        <a:rPr lang="en-AU" b="1">
                           <a:effectLst/>
                         </a:rPr>
                         <a:t>5</a:t>
                       </a:r>
                     </a:p>
                   </a:txBody>
-                  <a:tcPr marL="118590" marR="169413" marT="115246" marB="254120" anchor="ctr">
+                  <a:tcPr anchor="ctr">
                     <a:lnL w="12700" cmpd="sng">
                       <a:noFill/>
                       <a:prstDash val="solid"/>
@@ -18435,17 +18320,14 @@
                     <a:p>
                       <a:pPr algn="r" fontAlgn="ctr"/>
                       <a:r>
-                        <a:rPr lang="en-AU" sz="1800" cap="none" spc="0">
-                          <a:solidFill>
-                            <a:schemeClr val="tx1"/>
-                          </a:solidFill>
+                        <a:rPr lang="en-AU">
                           <a:effectLst/>
                         </a:rPr>
-                        <a:t>0.649701</a:t>
+                        <a:t>0.638433</a:t>
                       </a:r>
                     </a:p>
                   </a:txBody>
-                  <a:tcPr marL="118590" marR="169413" marT="115246" marB="254120" anchor="ctr">
+                  <a:tcPr anchor="ctr">
                     <a:lnL w="12700" cmpd="sng">
                       <a:noFill/>
                       <a:prstDash val="solid"/>
@@ -18472,17 +18354,14 @@
                     <a:p>
                       <a:pPr algn="r" fontAlgn="ctr"/>
                       <a:r>
-                        <a:rPr lang="en-AU" sz="1800" cap="none" spc="0" dirty="0">
-                          <a:solidFill>
-                            <a:schemeClr val="tx1"/>
-                          </a:solidFill>
+                        <a:rPr lang="en-AU">
                           <a:effectLst/>
                         </a:rPr>
-                        <a:t>0.626167</a:t>
+                        <a:t>0.667528</a:t>
                       </a:r>
                     </a:p>
                   </a:txBody>
-                  <a:tcPr marL="118590" marR="169413" marT="115246" marB="254120" anchor="ctr">
+                  <a:tcPr anchor="ctr">
                     <a:lnL w="12700" cmpd="sng">
                       <a:noFill/>
                       <a:prstDash val="solid"/>
@@ -18509,17 +18388,14 @@
                     <a:p>
                       <a:pPr algn="r" fontAlgn="ctr"/>
                       <a:r>
-                        <a:rPr lang="en-AU" sz="1800" cap="none" spc="0">
-                          <a:solidFill>
-                            <a:schemeClr val="tx1"/>
-                          </a:solidFill>
+                        <a:rPr lang="en-AU">
                           <a:effectLst/>
                         </a:rPr>
-                        <a:t>3.522816</a:t>
+                        <a:t>3.483103</a:t>
                       </a:r>
                     </a:p>
                   </a:txBody>
-                  <a:tcPr marL="118590" marR="169413" marT="115246" marB="254120" anchor="ctr">
+                  <a:tcPr anchor="ctr">
                     <a:lnL w="12700" cmpd="sng">
                       <a:noFill/>
                       <a:prstDash val="solid"/>
@@ -18546,17 +18422,14 @@
                     <a:p>
                       <a:pPr algn="r" fontAlgn="ctr"/>
                       <a:r>
-                        <a:rPr lang="en-AU" sz="1800" cap="none" spc="0" dirty="0">
-                          <a:solidFill>
-                            <a:schemeClr val="tx1"/>
-                          </a:solidFill>
+                        <a:rPr lang="en-AU" dirty="0">
                           <a:effectLst/>
                         </a:rPr>
-                        <a:t>3.497520</a:t>
+                        <a:t>3.657269</a:t>
                       </a:r>
                     </a:p>
                   </a:txBody>
-                  <a:tcPr marL="118590" marR="169413" marT="115246" marB="254120" anchor="ctr">
+                  <a:tcPr anchor="ctr">
                     <a:lnL w="12700" cmpd="sng">
                       <a:noFill/>
                       <a:prstDash val="solid"/>
@@ -19145,7 +19018,7 @@
             <p:ph idx="1"/>
             <p:extLst>
               <p:ext uri="{D42A27DB-BD31-4B8C-83A1-F6EECF244321}">
-                <p14:modId xmlns:p14="http://schemas.microsoft.com/office/powerpoint/2010/main" val="3326294988"/>
+                <p14:modId xmlns:p14="http://schemas.microsoft.com/office/powerpoint/2010/main" val="1749038560"/>
               </p:ext>
             </p:extLst>
           </p:nvPr>
@@ -19811,7 +19684,7 @@
         <p:spPr>
           <a:xfrm>
             <a:off x="804670" y="2640692"/>
-            <a:ext cx="3044952" cy="3255252"/>
+            <a:ext cx="3044952" cy="3667118"/>
           </a:xfrm>
           <a:ln>
             <a:noFill/>
@@ -19835,7 +19708,7 @@
         </p:style>
         <p:txBody>
           <a:bodyPr>
-            <a:normAutofit/>
+            <a:normAutofit fontScale="92500" lnSpcReduction="10000"/>
           </a:bodyPr>
           <a:lstStyle/>
           <a:p>
@@ -19860,7 +19733,7 @@
             </a:r>
           </a:p>
           <a:p>
-            <a:pPr marL="0" indent="0">
+            <a:pPr marL="185738" indent="-185738">
               <a:buNone/>
             </a:pPr>
             <a:r>
@@ -19869,10 +19742,13 @@
                   <a:schemeClr val="tx1"/>
                 </a:solidFill>
               </a:rPr>
-              <a:t>Insurance companies need to predict car insurance premiums accurately to optimize pricing strategies based on factors such driver and vehicle characteristics.</a:t>
+              <a:t>    Insurance companies need to predict car insurance premiums accurately to optimize pricing strategies based on factors such driver and vehicle characteristics.</a:t>
             </a:r>
           </a:p>
           <a:p>
+            <a:pPr marL="0" indent="0">
+              <a:buNone/>
+            </a:pPr>
             <a:endParaRPr lang="en-US" dirty="0">
               <a:solidFill>
                 <a:schemeClr val="tx1"/>
@@ -19880,6 +19756,98 @@
             </a:endParaRPr>
           </a:p>
           <a:p>
+            <a:pPr marL="0" indent="0" defTabSz="914400">
+              <a:lnSpc>
+                <a:spcPct val="90000"/>
+              </a:lnSpc>
+              <a:spcBef>
+                <a:spcPts val="1000"/>
+              </a:spcBef>
+              <a:buClr>
+                <a:schemeClr val="accent2"/>
+              </a:buClr>
+              <a:buNone/>
+            </a:pPr>
+            <a:r>
+              <a:rPr lang="en-US" sz="2000" b="1" dirty="0">
+                <a:solidFill>
+                  <a:schemeClr val="tx1"/>
+                </a:solidFill>
+              </a:rPr>
+              <a:t>Data Problem</a:t>
+            </a:r>
+            <a:r>
+              <a:rPr lang="en-US" dirty="0">
+                <a:solidFill>
+                  <a:schemeClr val="tx1"/>
+                </a:solidFill>
+              </a:rPr>
+              <a:t>:</a:t>
+            </a:r>
+          </a:p>
+          <a:p>
+            <a:pPr defTabSz="914400">
+              <a:lnSpc>
+                <a:spcPct val="90000"/>
+              </a:lnSpc>
+              <a:spcBef>
+                <a:spcPts val="1000"/>
+              </a:spcBef>
+              <a:buClr>
+                <a:schemeClr val="accent2"/>
+              </a:buClr>
+            </a:pPr>
+            <a:r>
+              <a:rPr lang="en-AU" sz="1800" kern="100" dirty="0">
+                <a:solidFill>
+                  <a:schemeClr val="tx1"/>
+                </a:solidFill>
+                <a:effectLst/>
+                <a:latin typeface="Aptos" panose="020B0004020202020204" pitchFamily="34" charset="0"/>
+                <a:ea typeface="DengXian" panose="02010600030101010101" pitchFamily="2" charset="-122"/>
+                <a:cs typeface="Times New Roman" panose="02020603050405020304" pitchFamily="18" charset="0"/>
+              </a:rPr>
+              <a:t>build a </a:t>
+            </a:r>
+            <a:r>
+              <a:rPr lang="en-AU" sz="1800" b="1" kern="100" dirty="0">
+                <a:solidFill>
+                  <a:schemeClr val="tx1"/>
+                </a:solidFill>
+                <a:effectLst/>
+                <a:latin typeface="Aptos" panose="020B0004020202020204" pitchFamily="34" charset="0"/>
+                <a:ea typeface="DengXian" panose="02010600030101010101" pitchFamily="2" charset="-122"/>
+                <a:cs typeface="Times New Roman" panose="02020603050405020304" pitchFamily="18" charset="0"/>
+              </a:rPr>
+              <a:t>predictive model</a:t>
+            </a:r>
+            <a:r>
+              <a:rPr lang="en-AU" sz="1800" kern="100" dirty="0">
+                <a:solidFill>
+                  <a:schemeClr val="tx1"/>
+                </a:solidFill>
+                <a:effectLst/>
+                <a:latin typeface="Aptos" panose="020B0004020202020204" pitchFamily="34" charset="0"/>
+                <a:ea typeface="DengXian" panose="02010600030101010101" pitchFamily="2" charset="-122"/>
+                <a:cs typeface="Times New Roman" panose="02020603050405020304" pitchFamily="18" charset="0"/>
+              </a:rPr>
+              <a:t> that can estimate car insurance premiums based on some features.</a:t>
+            </a:r>
+          </a:p>
+          <a:p>
+            <a:pPr marL="0" indent="0">
+              <a:buNone/>
+            </a:pPr>
+            <a:endParaRPr lang="en-US" dirty="0">
+              <a:solidFill>
+                <a:schemeClr val="tx1"/>
+              </a:solidFill>
+            </a:endParaRPr>
+          </a:p>
+          <a:p>
+            <a:pPr marL="0" indent="0">
+              <a:buNone/>
+            </a:pPr>
             <a:endParaRPr lang="en-AU" sz="1600" dirty="0"/>
           </a:p>
         </p:txBody>
@@ -20117,12 +20085,20 @@
               </a:buClr>
             </a:pPr>
             <a:r>
+              <a:rPr lang="en-US" sz="2400" b="1" dirty="0">
+                <a:solidFill>
+                  <a:schemeClr val="bg1"/>
+                </a:solidFill>
+              </a:rPr>
+              <a:t>Columns:</a:t>
+            </a:r>
+            <a:r>
               <a:rPr lang="en-US" sz="2000" dirty="0">
                 <a:solidFill>
                   <a:schemeClr val="bg1"/>
                 </a:solidFill>
               </a:rPr>
-              <a:t>Columns: </a:t>
+              <a:t> </a:t>
             </a:r>
           </a:p>
           <a:p>
@@ -20143,7 +20119,141 @@
                   <a:schemeClr val="bg1"/>
                 </a:solidFill>
               </a:rPr>
-              <a:t>Driver Age, Driver Experience, Previous Accidents, Annual Mileage(x1000 km), Car Manufacturing Year, Car Age, Insurance Premium($)</a:t>
+              <a:t>	Driver Age</a:t>
+            </a:r>
+          </a:p>
+          <a:p>
+            <a:pPr defTabSz="914400">
+              <a:lnSpc>
+                <a:spcPct val="90000"/>
+              </a:lnSpc>
+              <a:spcBef>
+                <a:spcPts val="1000"/>
+              </a:spcBef>
+              <a:buClr>
+                <a:schemeClr val="accent2"/>
+              </a:buClr>
+            </a:pPr>
+            <a:r>
+              <a:rPr lang="en-US" dirty="0">
+                <a:solidFill>
+                  <a:schemeClr val="bg1"/>
+                </a:solidFill>
+              </a:rPr>
+              <a:t>	Driver Experience</a:t>
+            </a:r>
+          </a:p>
+          <a:p>
+            <a:pPr defTabSz="914400">
+              <a:lnSpc>
+                <a:spcPct val="90000"/>
+              </a:lnSpc>
+              <a:spcBef>
+                <a:spcPts val="1000"/>
+              </a:spcBef>
+              <a:buClr>
+                <a:schemeClr val="accent2"/>
+              </a:buClr>
+            </a:pPr>
+            <a:r>
+              <a:rPr lang="en-US" dirty="0">
+                <a:solidFill>
+                  <a:schemeClr val="bg1"/>
+                </a:solidFill>
+              </a:rPr>
+              <a:t>	Previous Accidents,</a:t>
+            </a:r>
+          </a:p>
+          <a:p>
+            <a:pPr defTabSz="914400">
+              <a:lnSpc>
+                <a:spcPct val="90000"/>
+              </a:lnSpc>
+              <a:spcBef>
+                <a:spcPts val="1000"/>
+              </a:spcBef>
+              <a:buClr>
+                <a:schemeClr val="accent2"/>
+              </a:buClr>
+            </a:pPr>
+            <a:r>
+              <a:rPr lang="en-US" dirty="0">
+                <a:solidFill>
+                  <a:schemeClr val="bg1"/>
+                </a:solidFill>
+              </a:rPr>
+              <a:t>	Annual Mileage(x1000 km), </a:t>
+            </a:r>
+          </a:p>
+          <a:p>
+            <a:pPr defTabSz="914400">
+              <a:lnSpc>
+                <a:spcPct val="90000"/>
+              </a:lnSpc>
+              <a:spcBef>
+                <a:spcPts val="1000"/>
+              </a:spcBef>
+              <a:buClr>
+                <a:schemeClr val="accent2"/>
+              </a:buClr>
+            </a:pPr>
+            <a:r>
+              <a:rPr lang="en-US" dirty="0">
+                <a:solidFill>
+                  <a:schemeClr val="bg1"/>
+                </a:solidFill>
+              </a:rPr>
+              <a:t>	Car Manufacturing Year</a:t>
+            </a:r>
+          </a:p>
+          <a:p>
+            <a:pPr defTabSz="914400">
+              <a:lnSpc>
+                <a:spcPct val="90000"/>
+              </a:lnSpc>
+              <a:spcBef>
+                <a:spcPts val="1000"/>
+              </a:spcBef>
+              <a:buClr>
+                <a:schemeClr val="accent2"/>
+              </a:buClr>
+            </a:pPr>
+            <a:r>
+              <a:rPr lang="en-US" dirty="0">
+                <a:solidFill>
+                  <a:schemeClr val="bg1"/>
+                </a:solidFill>
+              </a:rPr>
+              <a:t>	Car Age</a:t>
+            </a:r>
+          </a:p>
+          <a:p>
+            <a:pPr defTabSz="914400">
+              <a:lnSpc>
+                <a:spcPct val="90000"/>
+              </a:lnSpc>
+              <a:spcBef>
+                <a:spcPts val="1000"/>
+              </a:spcBef>
+              <a:buClr>
+                <a:schemeClr val="accent2"/>
+              </a:buClr>
+            </a:pPr>
+            <a:r>
+              <a:rPr lang="en-US">
+                <a:solidFill>
+                  <a:schemeClr val="bg1"/>
+                </a:solidFill>
+              </a:rPr>
+              <a:t>	Insurance </a:t>
+            </a:r>
+            <a:r>
+              <a:rPr lang="en-US" dirty="0">
+                <a:solidFill>
+                  <a:schemeClr val="bg1"/>
+                </a:solidFill>
+              </a:rPr>
+              <a:t>Premium($)</a:t>
             </a:r>
           </a:p>
           <a:p>
@@ -20163,84 +20273,6 @@
                 <a:schemeClr val="bg1"/>
               </a:solidFill>
             </a:endParaRPr>
-          </a:p>
-          <a:p>
-            <a:pPr defTabSz="914400">
-              <a:lnSpc>
-                <a:spcPct val="90000"/>
-              </a:lnSpc>
-              <a:spcBef>
-                <a:spcPts val="1000"/>
-              </a:spcBef>
-              <a:buClr>
-                <a:schemeClr val="accent2"/>
-              </a:buClr>
-            </a:pPr>
-            <a:r>
-              <a:rPr lang="en-US" sz="2000" b="1" dirty="0">
-                <a:solidFill>
-                  <a:schemeClr val="bg1"/>
-                </a:solidFill>
-              </a:rPr>
-              <a:t>Data Problem</a:t>
-            </a:r>
-            <a:r>
-              <a:rPr lang="en-US" dirty="0">
-                <a:solidFill>
-                  <a:schemeClr val="bg1"/>
-                </a:solidFill>
-              </a:rPr>
-              <a:t>:</a:t>
-            </a:r>
-          </a:p>
-          <a:p>
-            <a:pPr defTabSz="914400">
-              <a:lnSpc>
-                <a:spcPct val="90000"/>
-              </a:lnSpc>
-              <a:spcBef>
-                <a:spcPts val="1000"/>
-              </a:spcBef>
-              <a:buClr>
-                <a:schemeClr val="accent2"/>
-              </a:buClr>
-            </a:pPr>
-            <a:r>
-              <a:rPr lang="en-AU" sz="1800" kern="100" dirty="0">
-                <a:solidFill>
-                  <a:schemeClr val="bg1"/>
-                </a:solidFill>
-                <a:effectLst/>
-                <a:latin typeface="Aptos" panose="020B0004020202020204" pitchFamily="34" charset="0"/>
-                <a:ea typeface="DengXian" panose="02010600030101010101" pitchFamily="2" charset="-122"/>
-                <a:cs typeface="Times New Roman" panose="02020603050405020304" pitchFamily="18" charset="0"/>
-              </a:rPr>
-              <a:t>build a </a:t>
-            </a:r>
-            <a:r>
-              <a:rPr lang="en-AU" sz="1800" b="1" kern="100" dirty="0">
-                <a:solidFill>
-                  <a:schemeClr val="bg1"/>
-                </a:solidFill>
-                <a:effectLst/>
-                <a:latin typeface="Aptos" panose="020B0004020202020204" pitchFamily="34" charset="0"/>
-                <a:ea typeface="DengXian" panose="02010600030101010101" pitchFamily="2" charset="-122"/>
-                <a:cs typeface="Times New Roman" panose="02020603050405020304" pitchFamily="18" charset="0"/>
-              </a:rPr>
-              <a:t>predictive model</a:t>
-            </a:r>
-            <a:r>
-              <a:rPr lang="en-AU" sz="1800" kern="100" dirty="0">
-                <a:solidFill>
-                  <a:schemeClr val="bg1"/>
-                </a:solidFill>
-                <a:effectLst/>
-                <a:latin typeface="Aptos" panose="020B0004020202020204" pitchFamily="34" charset="0"/>
-                <a:ea typeface="DengXian" panose="02010600030101010101" pitchFamily="2" charset="-122"/>
-                <a:cs typeface="Times New Roman" panose="02020603050405020304" pitchFamily="18" charset="0"/>
-              </a:rPr>
-              <a:t> that can estimate car insurance premiums based on these features.</a:t>
-            </a:r>
           </a:p>
           <a:p>
             <a:pPr defTabSz="914400">
